--- a/Projeto Integrador - Apresentação.pptx
+++ b/Projeto Integrador - Apresentação.pptx
@@ -6,13 +6,15 @@
   </p:sldMasterIdLst>
   <p:sldIdLst>
     <p:sldId id="256" r:id="rId2"/>
-    <p:sldId id="260" r:id="rId3"/>
-    <p:sldId id="261" r:id="rId4"/>
-    <p:sldId id="262" r:id="rId5"/>
-    <p:sldId id="263" r:id="rId6"/>
-    <p:sldId id="264" r:id="rId7"/>
-    <p:sldId id="265" r:id="rId8"/>
-    <p:sldId id="266" r:id="rId9"/>
+    <p:sldId id="267" r:id="rId3"/>
+    <p:sldId id="269" r:id="rId4"/>
+    <p:sldId id="271" r:id="rId5"/>
+    <p:sldId id="272" r:id="rId6"/>
+    <p:sldId id="270" r:id="rId7"/>
+    <p:sldId id="273" r:id="rId8"/>
+    <p:sldId id="274" r:id="rId9"/>
+    <p:sldId id="275" r:id="rId10"/>
+    <p:sldId id="276" r:id="rId11"/>
   </p:sldIdLst>
   <p:sldSz cx="12192000" cy="6858000"/>
   <p:notesSz cx="6858000" cy="9144000"/>
@@ -1331,7 +1333,7 @@
             <a:fld id="{9334D819-9F07-4261-B09B-9E467E5D9002}" type="datetimeFigureOut">
               <a:rPr lang="en-US" dirty="0"/>
               <a:pPr/>
-              <a:t>6/1/2020</a:t>
+              <a:t>1/11/2021</a:t>
             </a:fld>
             <a:endParaRPr lang="en-US" dirty="0"/>
           </a:p>
@@ -1565,7 +1567,7 @@
           <a:p>
             <a:fld id="{9334D819-9F07-4261-B09B-9E467E5D9002}" type="datetimeFigureOut">
               <a:rPr lang="en-US" dirty="0"/>
-              <a:t>6/1/2020</a:t>
+              <a:t>1/11/2021</a:t>
             </a:fld>
             <a:endParaRPr lang="en-US" dirty="0"/>
           </a:p>
@@ -1740,7 +1742,7 @@
           <a:p>
             <a:fld id="{9334D819-9F07-4261-B09B-9E467E5D9002}" type="datetimeFigureOut">
               <a:rPr lang="en-US" dirty="0"/>
-              <a:t>6/1/2020</a:t>
+              <a:t>1/11/2021</a:t>
             </a:fld>
             <a:endParaRPr lang="en-US" dirty="0"/>
           </a:p>
@@ -1905,7 +1907,7 @@
           <a:p>
             <a:fld id="{9334D819-9F07-4261-B09B-9E467E5D9002}" type="datetimeFigureOut">
               <a:rPr lang="en-US" dirty="0"/>
-              <a:t>6/1/2020</a:t>
+              <a:t>1/11/2021</a:t>
             </a:fld>
             <a:endParaRPr lang="en-US" dirty="0"/>
           </a:p>
@@ -2177,7 +2179,7 @@
             <a:fld id="{9334D819-9F07-4261-B09B-9E467E5D9002}" type="datetimeFigureOut">
               <a:rPr lang="en-US" dirty="0"/>
               <a:pPr/>
-              <a:t>6/1/2020</a:t>
+              <a:t>1/11/2021</a:t>
             </a:fld>
             <a:endParaRPr lang="en-US" dirty="0"/>
           </a:p>
@@ -3374,7 +3376,7 @@
           <a:p>
             <a:fld id="{9334D819-9F07-4261-B09B-9E467E5D9002}" type="datetimeFigureOut">
               <a:rPr lang="en-US" dirty="0"/>
-              <a:t>6/1/2020</a:t>
+              <a:t>1/11/2021</a:t>
             </a:fld>
             <a:endParaRPr lang="en-US" dirty="0"/>
           </a:p>
@@ -3759,7 +3761,7 @@
           <a:p>
             <a:fld id="{9334D819-9F07-4261-B09B-9E467E5D9002}" type="datetimeFigureOut">
               <a:rPr lang="en-US" dirty="0"/>
-              <a:t>6/1/2020</a:t>
+              <a:t>1/11/2021</a:t>
             </a:fld>
             <a:endParaRPr lang="en-US" dirty="0"/>
           </a:p>
@@ -3877,7 +3879,7 @@
           <a:p>
             <a:fld id="{9334D819-9F07-4261-B09B-9E467E5D9002}" type="datetimeFigureOut">
               <a:rPr lang="en-US" dirty="0"/>
-              <a:t>6/1/2020</a:t>
+              <a:t>1/11/2021</a:t>
             </a:fld>
             <a:endParaRPr lang="en-US" dirty="0"/>
           </a:p>
@@ -3967,7 +3969,7 @@
           <a:p>
             <a:fld id="{9334D819-9F07-4261-B09B-9E467E5D9002}" type="datetimeFigureOut">
               <a:rPr lang="en-US" dirty="0"/>
-              <a:t>6/1/2020</a:t>
+              <a:t>1/11/2021</a:t>
             </a:fld>
             <a:endParaRPr lang="en-US" dirty="0"/>
           </a:p>
@@ -4725,7 +4727,7 @@
           <a:p>
             <a:fld id="{9334D819-9F07-4261-B09B-9E467E5D9002}" type="datetimeFigureOut">
               <a:rPr lang="en-US" dirty="0"/>
-              <a:t>6/1/2020</a:t>
+              <a:t>1/11/2021</a:t>
             </a:fld>
             <a:endParaRPr lang="en-US" dirty="0"/>
           </a:p>
@@ -5560,7 +5562,7 @@
           <a:p>
             <a:fld id="{9334D819-9F07-4261-B09B-9E467E5D9002}" type="datetimeFigureOut">
               <a:rPr lang="en-US" dirty="0"/>
-              <a:t>6/1/2020</a:t>
+              <a:t>1/11/2021</a:t>
             </a:fld>
             <a:endParaRPr lang="en-US" dirty="0"/>
           </a:p>
@@ -5783,7 +5785,7 @@
             <a:fld id="{9334D819-9F07-4261-B09B-9E467E5D9002}" type="datetimeFigureOut">
               <a:rPr lang="en-US" dirty="0"/>
               <a:pPr/>
-              <a:t>6/1/2020</a:t>
+              <a:t>1/11/2021</a:t>
             </a:fld>
             <a:endParaRPr lang="en-US" dirty="0"/>
           </a:p>
@@ -6786,66 +6788,6 @@
           <a:chExt cx="0" cy="0"/>
         </a:xfrm>
       </p:grpSpPr>
-      <p:sp useBgFill="1">
-        <p:nvSpPr>
-          <p:cNvPr id="8" name="Rectangle 7">
-            <a:extLst>
-              <a:ext uri="{FF2B5EF4-FFF2-40B4-BE49-F238E27FC236}">
-                <a16:creationId xmlns:a16="http://schemas.microsoft.com/office/drawing/2014/main" id="{8AACE35A-DD26-4C0E-81A5-8C18F739057F}"/>
-              </a:ext>
-              <a:ext uri="{C183D7F6-B498-43B3-948B-1728B52AA6E4}">
-                <adec:decorative xmlns:adec="http://schemas.microsoft.com/office/drawing/2017/decorative" val="1"/>
-              </a:ext>
-            </a:extLst>
-          </p:cNvPr>
-          <p:cNvSpPr>
-            <a:spLocks noGrp="1" noRot="1" noChangeAspect="1" noMove="1" noResize="1" noEditPoints="1" noAdjustHandles="1" noChangeArrowheads="1" noChangeShapeType="1" noTextEdit="1"/>
-          </p:cNvSpPr>
-          <p:nvPr>
-            <p:extLst>
-              <p:ext uri="{386F3935-93C4-4BCD-93E2-E3B085C9AB24}">
-                <p16:designElem xmlns:p16="http://schemas.microsoft.com/office/powerpoint/2015/main" val="1"/>
-              </p:ext>
-            </p:extLst>
-          </p:nvPr>
-        </p:nvSpPr>
-        <p:spPr bwMode="ltGray">
-          <a:xfrm>
-            <a:off x="0" y="0"/>
-            <a:ext cx="12191999" cy="6858000"/>
-          </a:xfrm>
-          <a:prstGeom prst="rect">
-            <a:avLst/>
-          </a:prstGeom>
-          <a:ln>
-            <a:noFill/>
-          </a:ln>
-        </p:spPr>
-        <p:style>
-          <a:lnRef idx="2">
-            <a:schemeClr val="accent1">
-              <a:shade val="50000"/>
-            </a:schemeClr>
-          </a:lnRef>
-          <a:fillRef idx="1">
-            <a:schemeClr val="accent1"/>
-          </a:fillRef>
-          <a:effectRef idx="0">
-            <a:schemeClr val="accent1"/>
-          </a:effectRef>
-          <a:fontRef idx="minor">
-            <a:schemeClr val="lt1"/>
-          </a:fontRef>
-        </p:style>
-        <p:txBody>
-          <a:bodyPr rtlCol="0" anchor="ctr"/>
-          <a:lstStyle/>
-          <a:p>
-            <a:pPr algn="ctr"/>
-            <a:endParaRPr lang="en-US"/>
-          </a:p>
-        </p:txBody>
-      </p:sp>
       <p:sp>
         <p:nvSpPr>
           <p:cNvPr id="2" name="Título 1">
@@ -6864,8 +6806,8 @@
         </p:nvSpPr>
         <p:spPr>
           <a:xfrm>
-            <a:off x="1078524" y="1231506"/>
-            <a:ext cx="6145284" cy="4394988"/>
+            <a:off x="1078525" y="1300843"/>
+            <a:ext cx="6145284" cy="2933206"/>
           </a:xfrm>
         </p:spPr>
         <p:txBody>
@@ -6901,7 +6843,7 @@
         <p:spPr>
           <a:xfrm>
             <a:off x="7867276" y="1300843"/>
-            <a:ext cx="2996668" cy="4256314"/>
+            <a:ext cx="2996668" cy="2933206"/>
           </a:xfrm>
         </p:spPr>
         <p:txBody>
@@ -6918,114 +6860,92 @@
           </a:p>
         </p:txBody>
       </p:sp>
-      <p:cxnSp>
-        <p:nvCxnSpPr>
-          <p:cNvPr id="10" name="Straight Connector 9">
+      <p:sp>
+        <p:nvSpPr>
+          <p:cNvPr id="4" name="CaixaDeTexto 3">
             <a:extLst>
               <a:ext uri="{FF2B5EF4-FFF2-40B4-BE49-F238E27FC236}">
-                <a16:creationId xmlns:a16="http://schemas.microsoft.com/office/drawing/2014/main" id="{E905CB15-2F46-4D9D-AEA4-3619C520C854}"/>
-              </a:ext>
-              <a:ext uri="{C183D7F6-B498-43B3-948B-1728B52AA6E4}">
-                <adec:decorative xmlns:adec="http://schemas.microsoft.com/office/drawing/2017/decorative" val="1"/>
+                <a16:creationId xmlns:a16="http://schemas.microsoft.com/office/drawing/2014/main" id="{1D2FED94-F981-4C33-BFAF-7D58A6F66557}"/>
               </a:ext>
             </a:extLst>
           </p:cNvPr>
-          <p:cNvCxnSpPr>
-            <a:cxnSpLocks noGrp="1" noRot="1" noChangeAspect="1" noMove="1" noResize="1" noEditPoints="1" noAdjustHandles="1" noChangeArrowheads="1" noChangeShapeType="1"/>
-          </p:cNvCxnSpPr>
-          <p:nvPr>
-            <p:extLst>
-              <p:ext uri="{386F3935-93C4-4BCD-93E2-E3B085C9AB24}">
-                <p16:designElem xmlns:p16="http://schemas.microsoft.com/office/powerpoint/2015/main" val="1"/>
-              </p:ext>
-            </p:extLst>
-          </p:nvPr>
+          <p:cNvSpPr txBox="1"/>
+          <p:nvPr/>
+        </p:nvSpPr>
+        <p:spPr>
+          <a:xfrm>
+            <a:off x="7867276" y="4624126"/>
+            <a:ext cx="3640136" cy="1200329"/>
+          </a:xfrm>
+          <a:prstGeom prst="rect">
+            <a:avLst/>
+          </a:prstGeom>
+          <a:noFill/>
+        </p:spPr>
+        <p:txBody>
+          <a:bodyPr wrap="square" rtlCol="0">
+            <a:spAutoFit/>
+          </a:bodyPr>
+          <a:lstStyle/>
+          <a:p>
+            <a:r>
+              <a:rPr lang="pt-BR" dirty="0"/>
+              <a:t>Dicentes:</a:t>
+            </a:r>
+          </a:p>
+          <a:p>
+            <a:endParaRPr lang="pt-BR" dirty="0"/>
+          </a:p>
+          <a:p>
+            <a:r>
+              <a:rPr lang="pt-BR" dirty="0"/>
+              <a:t>Felipe Gabriel Queiroz Rêgo</a:t>
+            </a:r>
+          </a:p>
+          <a:p>
+            <a:r>
+              <a:rPr lang="pt-BR" dirty="0"/>
+              <a:t>Francisco Leocassio da Silva</a:t>
+            </a:r>
+          </a:p>
+        </p:txBody>
+      </p:sp>
+      <p:cxnSp>
+        <p:nvCxnSpPr>
+          <p:cNvPr id="6" name="Conexão reta 5">
+            <a:extLst>
+              <a:ext uri="{FF2B5EF4-FFF2-40B4-BE49-F238E27FC236}">
+                <a16:creationId xmlns:a16="http://schemas.microsoft.com/office/drawing/2014/main" id="{BC59139B-AD2D-4359-BAD1-FDF16D43BB39}"/>
+              </a:ext>
+            </a:extLst>
+          </p:cNvPr>
+          <p:cNvCxnSpPr/>
+          <p:nvPr/>
         </p:nvCxnSpPr>
         <p:spPr>
           <a:xfrm>
-            <a:off x="7545542" y="1962397"/>
-            <a:ext cx="0" cy="2933206"/>
+            <a:off x="7352145" y="1219200"/>
+            <a:ext cx="0" cy="4747491"/>
           </a:xfrm>
           <a:prstGeom prst="line">
             <a:avLst/>
           </a:prstGeom>
-          <a:ln w="22225">
-            <a:solidFill>
-              <a:schemeClr val="accent1"/>
-            </a:solidFill>
-            <a:miter lim="800000"/>
-          </a:ln>
         </p:spPr>
         <p:style>
           <a:lnRef idx="1">
-            <a:schemeClr val="accent1"/>
+            <a:schemeClr val="accent6"/>
           </a:lnRef>
           <a:fillRef idx="0">
-            <a:schemeClr val="accent1"/>
+            <a:schemeClr val="accent6"/>
           </a:fillRef>
           <a:effectRef idx="0">
-            <a:schemeClr val="accent1"/>
+            <a:schemeClr val="accent6"/>
           </a:effectRef>
           <a:fontRef idx="minor">
             <a:schemeClr val="tx1"/>
           </a:fontRef>
         </p:style>
       </p:cxnSp>
-      <p:sp>
-        <p:nvSpPr>
-          <p:cNvPr id="12" name="Rectangle 11">
-            <a:extLst>
-              <a:ext uri="{FF2B5EF4-FFF2-40B4-BE49-F238E27FC236}">
-                <a16:creationId xmlns:a16="http://schemas.microsoft.com/office/drawing/2014/main" id="{18DAE5F6-55D5-4FC2-B1F3-AE114251F38B}"/>
-              </a:ext>
-              <a:ext uri="{C183D7F6-B498-43B3-948B-1728B52AA6E4}">
-                <adec:decorative xmlns:adec="http://schemas.microsoft.com/office/drawing/2017/decorative" val="1"/>
-              </a:ext>
-            </a:extLst>
-          </p:cNvPr>
-          <p:cNvSpPr>
-            <a:spLocks noGrp="1" noRot="1" noChangeAspect="1" noMove="1" noResize="1" noEditPoints="1" noAdjustHandles="1" noChangeArrowheads="1" noChangeShapeType="1" noTextEdit="1"/>
-          </p:cNvSpPr>
-          <p:nvPr>
-            <p:extLst>
-              <p:ext uri="{386F3935-93C4-4BCD-93E2-E3B085C9AB24}">
-                <p16:designElem xmlns:p16="http://schemas.microsoft.com/office/powerpoint/2015/main" val="1"/>
-              </p:ext>
-            </p:extLst>
-          </p:nvPr>
-        </p:nvSpPr>
-        <p:spPr>
-          <a:xfrm rot="5400000">
-            <a:off x="5774263" y="440267"/>
-            <a:ext cx="643467" cy="12191999"/>
-          </a:xfrm>
-          <a:prstGeom prst="rect">
-            <a:avLst/>
-          </a:prstGeom>
-          <a:solidFill>
-            <a:schemeClr val="accent1"/>
-          </a:solidFill>
-          <a:ln>
-            <a:noFill/>
-          </a:ln>
-        </p:spPr>
-        <p:style>
-          <a:lnRef idx="2">
-            <a:schemeClr val="accent1">
-              <a:shade val="50000"/>
-            </a:schemeClr>
-          </a:lnRef>
-          <a:fillRef idx="1">
-            <a:schemeClr val="accent1"/>
-          </a:fillRef>
-          <a:effectRef idx="0">
-            <a:schemeClr val="accent1"/>
-          </a:effectRef>
-          <a:fontRef idx="minor">
-            <a:schemeClr val="lt1"/>
-          </a:fontRef>
-        </p:style>
-      </p:sp>
     </p:spTree>
     <p:extLst>
       <p:ext uri="{BB962C8B-B14F-4D97-AF65-F5344CB8AC3E}">
@@ -7039,7 +6959,7 @@
 </p:sld>
 </file>
 
-<file path=ppt/slides/slide2.xml><?xml version="1.0" encoding="utf-8"?>
+<file path=ppt/slides/slide10.xml><?xml version="1.0" encoding="utf-8"?>
 <p:sld xmlns:a="http://schemas.openxmlformats.org/drawingml/2006/main" xmlns:r="http://schemas.openxmlformats.org/officeDocument/2006/relationships" xmlns:p="http://schemas.openxmlformats.org/presentationml/2006/main">
   <p:cSld>
     <p:bg>
@@ -7064,72 +6984,78 @@
           <a:chExt cx="0" cy="0"/>
         </a:xfrm>
       </p:grpSpPr>
-      <p:sp useBgFill="1">
-        <p:nvSpPr>
-          <p:cNvPr id="17" name="Rectangle 16">
+      <p:sp>
+        <p:nvSpPr>
+          <p:cNvPr id="2" name="Título 1">
             <a:extLst>
               <a:ext uri="{FF2B5EF4-FFF2-40B4-BE49-F238E27FC236}">
-                <a16:creationId xmlns:a16="http://schemas.microsoft.com/office/drawing/2014/main" id="{ABD17F87-FE96-4A5F-83F2-3E87B953B074}"/>
-              </a:ext>
-              <a:ext uri="{C183D7F6-B498-43B3-948B-1728B52AA6E4}">
-                <adec:decorative xmlns:adec="http://schemas.microsoft.com/office/drawing/2017/decorative" val="1"/>
+                <a16:creationId xmlns:a16="http://schemas.microsoft.com/office/drawing/2014/main" id="{7AC8C4D4-7EF7-47D4-B8C9-9D65E84912BE}"/>
               </a:ext>
             </a:extLst>
           </p:cNvPr>
           <p:cNvSpPr>
-            <a:spLocks noGrp="1" noRot="1" noChangeAspect="1" noMove="1" noResize="1" noEditPoints="1" noAdjustHandles="1" noChangeArrowheads="1" noChangeShapeType="1" noTextEdit="1"/>
+            <a:spLocks noGrp="1"/>
           </p:cNvSpPr>
           <p:nvPr>
-            <p:extLst>
-              <p:ext uri="{386F3935-93C4-4BCD-93E2-E3B085C9AB24}">
-                <p16:designElem xmlns:p16="http://schemas.microsoft.com/office/powerpoint/2015/main" val="1"/>
-              </p:ext>
-            </p:extLst>
+            <p:ph type="ctrTitle"/>
           </p:nvPr>
         </p:nvSpPr>
-        <p:spPr bwMode="ltGray">
+        <p:spPr>
           <a:xfrm>
-            <a:off x="0" y="0"/>
-            <a:ext cx="12191999" cy="6858000"/>
+            <a:off x="4352364" y="2850777"/>
+            <a:ext cx="3487271" cy="1156446"/>
           </a:xfrm>
-          <a:prstGeom prst="rect">
-            <a:avLst/>
-          </a:prstGeom>
-          <a:ln>
-            <a:noFill/>
-          </a:ln>
         </p:spPr>
-        <p:style>
-          <a:lnRef idx="2">
-            <a:schemeClr val="accent1">
-              <a:shade val="50000"/>
-            </a:schemeClr>
-          </a:lnRef>
-          <a:fillRef idx="1">
-            <a:schemeClr val="accent1"/>
-          </a:fillRef>
-          <a:effectRef idx="0">
-            <a:schemeClr val="accent1"/>
-          </a:effectRef>
-          <a:fontRef idx="minor">
-            <a:schemeClr val="lt1"/>
-          </a:fontRef>
-        </p:style>
         <p:txBody>
-          <a:bodyPr rtlCol="0" anchor="ctr"/>
+          <a:bodyPr>
+            <a:noAutofit/>
+          </a:bodyPr>
           <a:lstStyle/>
           <a:p>
-            <a:pPr algn="ctr"/>
-            <a:endParaRPr lang="en-US"/>
+            <a:pPr algn="r"/>
+            <a:r>
+              <a:rPr lang="pt-BR" sz="4000" dirty="0"/>
+              <a:t>obrigado!</a:t>
+            </a:r>
           </a:p>
         </p:txBody>
       </p:sp>
+    </p:spTree>
+    <p:extLst>
+      <p:ext uri="{BB962C8B-B14F-4D97-AF65-F5344CB8AC3E}">
+        <p14:creationId xmlns:p14="http://schemas.microsoft.com/office/powerpoint/2010/main" val="1825122738"/>
+      </p:ext>
+    </p:extLst>
+  </p:cSld>
+  <p:clrMapOvr>
+    <a:masterClrMapping/>
+  </p:clrMapOvr>
+</p:sld>
+</file>
+
+<file path=ppt/slides/slide2.xml><?xml version="1.0" encoding="utf-8"?>
+<p:sld xmlns:a="http://schemas.openxmlformats.org/drawingml/2006/main" xmlns:r="http://schemas.openxmlformats.org/officeDocument/2006/relationships" xmlns:p="http://schemas.openxmlformats.org/presentationml/2006/main">
+  <p:cSld>
+    <p:spTree>
+      <p:nvGrpSpPr>
+        <p:cNvPr id="1" name=""/>
+        <p:cNvGrpSpPr/>
+        <p:nvPr/>
+      </p:nvGrpSpPr>
+      <p:grpSpPr>
+        <a:xfrm>
+          <a:off x="0" y="0"/>
+          <a:ext cx="0" cy="0"/>
+          <a:chOff x="0" y="0"/>
+          <a:chExt cx="0" cy="0"/>
+        </a:xfrm>
+      </p:grpSpPr>
       <p:sp>
         <p:nvSpPr>
           <p:cNvPr id="2" name="Título 1">
             <a:extLst>
               <a:ext uri="{FF2B5EF4-FFF2-40B4-BE49-F238E27FC236}">
-                <a16:creationId xmlns:a16="http://schemas.microsoft.com/office/drawing/2014/main" id="{BDC71F2F-35DF-489B-AFAE-B223D042B9B1}"/>
+                <a16:creationId xmlns:a16="http://schemas.microsoft.com/office/drawing/2014/main" id="{3DC38A2E-F302-4BAF-AC2D-969083BF3C67}"/>
               </a:ext>
             </a:extLst>
           </p:cNvPr>
@@ -7142,146 +7068,29 @@
         </p:nvSpPr>
         <p:spPr>
           <a:xfrm>
-            <a:off x="761996" y="666625"/>
-            <a:ext cx="10668004" cy="1207892"/>
+            <a:off x="1251678" y="613788"/>
+            <a:ext cx="10178322" cy="729239"/>
           </a:xfrm>
         </p:spPr>
         <p:txBody>
-          <a:bodyPr anchor="ctr">
-            <a:normAutofit/>
+          <a:bodyPr>
+            <a:normAutofit fontScale="90000"/>
           </a:bodyPr>
           <a:lstStyle/>
           <a:p>
             <a:r>
               <a:rPr lang="pt-BR" dirty="0"/>
-              <a:t>Módulo Veículos</a:t>
+              <a:t>ROTEIRO</a:t>
             </a:r>
           </a:p>
         </p:txBody>
       </p:sp>
       <p:sp>
         <p:nvSpPr>
-          <p:cNvPr id="19" name="Rectangle 18">
+          <p:cNvPr id="3" name="Marcador de Posição de Conteúdo 2">
             <a:extLst>
               <a:ext uri="{FF2B5EF4-FFF2-40B4-BE49-F238E27FC236}">
-                <a16:creationId xmlns:a16="http://schemas.microsoft.com/office/drawing/2014/main" id="{9546C973-6034-4DAE-8C50-764E3160487D}"/>
-              </a:ext>
-              <a:ext uri="{C183D7F6-B498-43B3-948B-1728B52AA6E4}">
-                <adec:decorative xmlns:adec="http://schemas.microsoft.com/office/drawing/2017/decorative" val="1"/>
-              </a:ext>
-            </a:extLst>
-          </p:cNvPr>
-          <p:cNvSpPr>
-            <a:spLocks noGrp="1" noRot="1" noChangeAspect="1" noMove="1" noResize="1" noEditPoints="1" noAdjustHandles="1" noChangeArrowheads="1" noChangeShapeType="1" noTextEdit="1"/>
-          </p:cNvSpPr>
-          <p:nvPr>
-            <p:extLst>
-              <p:ext uri="{386F3935-93C4-4BCD-93E2-E3B085C9AB24}">
-                <p16:designElem xmlns:p16="http://schemas.microsoft.com/office/powerpoint/2015/main" val="1"/>
-              </p:ext>
-            </p:extLst>
-          </p:nvPr>
-        </p:nvSpPr>
-        <p:spPr>
-          <a:xfrm>
-            <a:off x="0" y="0"/>
-            <a:ext cx="309705" cy="6858000"/>
-          </a:xfrm>
-          <a:prstGeom prst="rect">
-            <a:avLst/>
-          </a:prstGeom>
-          <a:solidFill>
-            <a:schemeClr val="tx1">
-              <a:alpha val="10000"/>
-            </a:schemeClr>
-          </a:solidFill>
-          <a:ln>
-            <a:noFill/>
-          </a:ln>
-        </p:spPr>
-        <p:style>
-          <a:lnRef idx="2">
-            <a:schemeClr val="accent1">
-              <a:shade val="50000"/>
-            </a:schemeClr>
-          </a:lnRef>
-          <a:fillRef idx="1">
-            <a:schemeClr val="accent1"/>
-          </a:fillRef>
-          <a:effectRef idx="0">
-            <a:schemeClr val="accent1"/>
-          </a:effectRef>
-          <a:fontRef idx="minor">
-            <a:schemeClr val="lt1"/>
-          </a:fontRef>
-        </p:style>
-        <p:txBody>
-          <a:bodyPr rtlCol="0" anchor="ctr"/>
-          <a:lstStyle/>
-          <a:p>
-            <a:pPr algn="ctr"/>
-            <a:endParaRPr lang="en-US"/>
-          </a:p>
-        </p:txBody>
-      </p:sp>
-      <p:cxnSp>
-        <p:nvCxnSpPr>
-          <p:cNvPr id="21" name="Straight Connector 20">
-            <a:extLst>
-              <a:ext uri="{FF2B5EF4-FFF2-40B4-BE49-F238E27FC236}">
-                <a16:creationId xmlns:a16="http://schemas.microsoft.com/office/drawing/2014/main" id="{BC2ADC72-9292-411C-B17E-1DC83998D3C8}"/>
-              </a:ext>
-              <a:ext uri="{C183D7F6-B498-43B3-948B-1728B52AA6E4}">
-                <adec:decorative xmlns:adec="http://schemas.microsoft.com/office/drawing/2017/decorative" val="1"/>
-              </a:ext>
-            </a:extLst>
-          </p:cNvPr>
-          <p:cNvCxnSpPr>
-            <a:cxnSpLocks noGrp="1" noRot="1" noChangeAspect="1" noMove="1" noResize="1" noEditPoints="1" noAdjustHandles="1" noChangeArrowheads="1" noChangeShapeType="1"/>
-          </p:cNvCxnSpPr>
-          <p:nvPr>
-            <p:extLst>
-              <p:ext uri="{386F3935-93C4-4BCD-93E2-E3B085C9AB24}">
-                <p16:designElem xmlns:p16="http://schemas.microsoft.com/office/powerpoint/2015/main" val="1"/>
-              </p:ext>
-            </p:extLst>
-          </p:nvPr>
-        </p:nvCxnSpPr>
-        <p:spPr>
-          <a:xfrm>
-            <a:off x="11553659" y="666625"/>
-            <a:ext cx="0" cy="1207892"/>
-          </a:xfrm>
-          <a:prstGeom prst="line">
-            <a:avLst/>
-          </a:prstGeom>
-          <a:ln w="22225">
-            <a:solidFill>
-              <a:schemeClr val="accent1"/>
-            </a:solidFill>
-          </a:ln>
-        </p:spPr>
-        <p:style>
-          <a:lnRef idx="1">
-            <a:schemeClr val="accent1"/>
-          </a:lnRef>
-          <a:fillRef idx="0">
-            <a:schemeClr val="accent1"/>
-          </a:fillRef>
-          <a:effectRef idx="0">
-            <a:schemeClr val="accent1"/>
-          </a:effectRef>
-          <a:fontRef idx="minor">
-            <a:schemeClr val="tx1"/>
-          </a:fontRef>
-        </p:style>
-      </p:cxnSp>
-      <p:sp>
-        <p:nvSpPr>
-          <p:cNvPr id="3" name="Espaço Reservado para Conteúdo 2">
-            <a:extLst>
-              <a:ext uri="{FF2B5EF4-FFF2-40B4-BE49-F238E27FC236}">
-                <a16:creationId xmlns:a16="http://schemas.microsoft.com/office/drawing/2014/main" id="{E599047F-9475-49B8-AF3B-593D33DBF83C}"/>
+                <a16:creationId xmlns:a16="http://schemas.microsoft.com/office/drawing/2014/main" id="{78DE8F92-52FD-45E4-B38D-7F6BBA386DDF}"/>
               </a:ext>
             </a:extLst>
           </p:cNvPr>
@@ -7292,73 +7101,105 @@
             <p:ph idx="1"/>
           </p:nvPr>
         </p:nvSpPr>
+        <p:spPr/>
+        <p:txBody>
+          <a:bodyPr/>
+          <a:lstStyle/>
+          <a:p>
+            <a:r>
+              <a:rPr lang="pt-BR" dirty="0"/>
+              <a:t>Descrição</a:t>
+            </a:r>
+          </a:p>
+          <a:p>
+            <a:r>
+              <a:rPr lang="pt-BR" dirty="0"/>
+              <a:t>Relatório</a:t>
+            </a:r>
+          </a:p>
+          <a:p>
+            <a:r>
+              <a:rPr lang="pt-BR" dirty="0"/>
+              <a:t>Manual de Anbiente</a:t>
+            </a:r>
+          </a:p>
+          <a:p>
+            <a:r>
+              <a:rPr lang="pt-BR" dirty="0"/>
+              <a:t>Implementação</a:t>
+            </a:r>
+          </a:p>
+          <a:p>
+            <a:r>
+              <a:rPr lang="pt-BR" dirty="0"/>
+              <a:t>Apresentação do Desenvolvimento da Aplicação</a:t>
+            </a:r>
+          </a:p>
+          <a:p>
+            <a:r>
+              <a:rPr lang="pt-BR" dirty="0"/>
+              <a:t>Apresentação do Wiki</a:t>
+            </a:r>
+          </a:p>
+          <a:p>
+            <a:r>
+              <a:rPr lang="pt-BR" dirty="0"/>
+              <a:t>Produto Concluido</a:t>
+            </a:r>
+          </a:p>
+          <a:p>
+            <a:pPr marL="0" indent="0">
+              <a:buNone/>
+            </a:pPr>
+            <a:endParaRPr lang="pt-BR" dirty="0"/>
+          </a:p>
+          <a:p>
+            <a:endParaRPr lang="pt-BR" dirty="0"/>
+          </a:p>
+        </p:txBody>
+      </p:sp>
+      <p:cxnSp>
+        <p:nvCxnSpPr>
+          <p:cNvPr id="5" name="Conexão reta 4">
+            <a:extLst>
+              <a:ext uri="{FF2B5EF4-FFF2-40B4-BE49-F238E27FC236}">
+                <a16:creationId xmlns:a16="http://schemas.microsoft.com/office/drawing/2014/main" id="{A931EA7E-8E1B-4D0C-8B33-C7E663ABD339}"/>
+              </a:ext>
+            </a:extLst>
+          </p:cNvPr>
+          <p:cNvCxnSpPr>
+            <a:cxnSpLocks/>
+          </p:cNvCxnSpPr>
+          <p:nvPr/>
+        </p:nvCxnSpPr>
         <p:spPr>
           <a:xfrm>
-            <a:off x="761995" y="2025748"/>
-            <a:ext cx="10668003" cy="3853845"/>
+            <a:off x="1120588" y="1667435"/>
+            <a:ext cx="9753600" cy="0"/>
           </a:xfrm>
+          <a:prstGeom prst="line">
+            <a:avLst/>
+          </a:prstGeom>
         </p:spPr>
-        <p:txBody>
-          <a:bodyPr>
-            <a:normAutofit/>
-          </a:bodyPr>
-          <a:lstStyle/>
-          <a:p>
-            <a:pPr marL="457200" indent="-457200">
-              <a:buFont typeface="+mj-lt"/>
-              <a:buAutoNum type="arabicPeriod"/>
-            </a:pPr>
-            <a:r>
-              <a:rPr lang="pt-BR" sz="2400" dirty="0"/>
-              <a:t>Usuário se cadastra no sistema (nome, e-mail e senha). O cadastro deve ser feito através do consumo do serviço do módulo pagamento;</a:t>
-            </a:r>
-          </a:p>
-          <a:p>
-            <a:pPr marL="457200" indent="-457200">
-              <a:buFont typeface="+mj-lt"/>
-              <a:buAutoNum type="arabicPeriod"/>
-            </a:pPr>
-            <a:r>
-              <a:rPr lang="pt-BR" sz="2400" dirty="0"/>
-              <a:t>Usuário faz o login no sistema. O login deve ser feito através do consumo do serviço do módulo pagamento; </a:t>
-            </a:r>
-          </a:p>
-          <a:p>
-            <a:pPr marL="457200" indent="-457200">
-              <a:buFont typeface="+mj-lt"/>
-              <a:buAutoNum type="arabicPeriod"/>
-            </a:pPr>
-            <a:r>
-              <a:rPr lang="pt-BR" sz="2400" dirty="0"/>
-              <a:t>Após o login, o usuário fará uma busca pelos veículos, escolhendo qual o local, data de recebimento e de entrega;</a:t>
-            </a:r>
-          </a:p>
-          <a:p>
-            <a:pPr marL="457200" indent="-457200">
-              <a:buFont typeface="+mj-lt"/>
-              <a:buAutoNum type="arabicPeriod"/>
-            </a:pPr>
-            <a:r>
-              <a:rPr lang="pt-BR" sz="2400" dirty="0"/>
-              <a:t>O sistema deve exibir quais as opções de carros e motos disponíveis;</a:t>
-            </a:r>
-          </a:p>
-          <a:p>
-            <a:pPr marL="457200" indent="-457200">
-              <a:buFont typeface="+mj-lt"/>
-              <a:buAutoNum type="arabicPeriod"/>
-            </a:pPr>
-            <a:r>
-              <a:rPr lang="pt-BR" sz="2400" dirty="0"/>
-              <a:t>O usuário deve escolher um veículo disponível para local e data selecionada;</a:t>
-            </a:r>
-          </a:p>
-        </p:txBody>
-      </p:sp>
+        <p:style>
+          <a:lnRef idx="1">
+            <a:schemeClr val="accent6"/>
+          </a:lnRef>
+          <a:fillRef idx="0">
+            <a:schemeClr val="accent6"/>
+          </a:fillRef>
+          <a:effectRef idx="0">
+            <a:schemeClr val="accent6"/>
+          </a:effectRef>
+          <a:fontRef idx="minor">
+            <a:schemeClr val="tx1"/>
+          </a:fontRef>
+        </p:style>
+      </p:cxnSp>
     </p:spTree>
     <p:extLst>
       <p:ext uri="{BB962C8B-B14F-4D97-AF65-F5344CB8AC3E}">
-        <p14:creationId xmlns:p14="http://schemas.microsoft.com/office/powerpoint/2010/main" val="2586776185"/>
+        <p14:creationId xmlns:p14="http://schemas.microsoft.com/office/powerpoint/2010/main" val="4059630503"/>
       </p:ext>
     </p:extLst>
   </p:cSld>
@@ -7393,72 +7234,12 @@
           <a:chExt cx="0" cy="0"/>
         </a:xfrm>
       </p:grpSpPr>
-      <p:sp useBgFill="1">
-        <p:nvSpPr>
-          <p:cNvPr id="8" name="Rectangle 7">
-            <a:extLst>
-              <a:ext uri="{FF2B5EF4-FFF2-40B4-BE49-F238E27FC236}">
-                <a16:creationId xmlns:a16="http://schemas.microsoft.com/office/drawing/2014/main" id="{ABD17F87-FE96-4A5F-83F2-3E87B953B074}"/>
-              </a:ext>
-              <a:ext uri="{C183D7F6-B498-43B3-948B-1728B52AA6E4}">
-                <adec:decorative xmlns:adec="http://schemas.microsoft.com/office/drawing/2017/decorative" val="1"/>
-              </a:ext>
-            </a:extLst>
-          </p:cNvPr>
-          <p:cNvSpPr>
-            <a:spLocks noGrp="1" noRot="1" noChangeAspect="1" noMove="1" noResize="1" noEditPoints="1" noAdjustHandles="1" noChangeArrowheads="1" noChangeShapeType="1" noTextEdit="1"/>
-          </p:cNvSpPr>
-          <p:nvPr>
-            <p:extLst>
-              <p:ext uri="{386F3935-93C4-4BCD-93E2-E3B085C9AB24}">
-                <p16:designElem xmlns:p16="http://schemas.microsoft.com/office/powerpoint/2015/main" val="1"/>
-              </p:ext>
-            </p:extLst>
-          </p:nvPr>
-        </p:nvSpPr>
-        <p:spPr bwMode="ltGray">
-          <a:xfrm>
-            <a:off x="0" y="0"/>
-            <a:ext cx="12191999" cy="6858000"/>
-          </a:xfrm>
-          <a:prstGeom prst="rect">
-            <a:avLst/>
-          </a:prstGeom>
-          <a:ln>
-            <a:noFill/>
-          </a:ln>
-        </p:spPr>
-        <p:style>
-          <a:lnRef idx="2">
-            <a:schemeClr val="accent1">
-              <a:shade val="50000"/>
-            </a:schemeClr>
-          </a:lnRef>
-          <a:fillRef idx="1">
-            <a:schemeClr val="accent1"/>
-          </a:fillRef>
-          <a:effectRef idx="0">
-            <a:schemeClr val="accent1"/>
-          </a:effectRef>
-          <a:fontRef idx="minor">
-            <a:schemeClr val="lt1"/>
-          </a:fontRef>
-        </p:style>
-        <p:txBody>
-          <a:bodyPr rtlCol="0" anchor="ctr"/>
-          <a:lstStyle/>
-          <a:p>
-            <a:pPr algn="ctr"/>
-            <a:endParaRPr lang="en-US"/>
-          </a:p>
-        </p:txBody>
-      </p:sp>
       <p:sp>
         <p:nvSpPr>
           <p:cNvPr id="2" name="Título 1">
             <a:extLst>
               <a:ext uri="{FF2B5EF4-FFF2-40B4-BE49-F238E27FC236}">
-                <a16:creationId xmlns:a16="http://schemas.microsoft.com/office/drawing/2014/main" id="{0CD7B633-2B1C-4848-9765-24649FFB3F71}"/>
+                <a16:creationId xmlns:a16="http://schemas.microsoft.com/office/drawing/2014/main" id="{7AC8C4D4-7EF7-47D4-B8C9-9D65E84912BE}"/>
               </a:ext>
             </a:extLst>
           </p:cNvPr>
@@ -7466,220 +7247,25 @@
             <a:spLocks noGrp="1"/>
           </p:cNvSpPr>
           <p:nvPr>
-            <p:ph type="title"/>
+            <p:ph type="ctrTitle"/>
           </p:nvPr>
         </p:nvSpPr>
         <p:spPr>
           <a:xfrm>
-            <a:off x="761997" y="44636"/>
-            <a:ext cx="10668004" cy="1207892"/>
-          </a:xfrm>
-        </p:spPr>
-        <p:txBody>
-          <a:bodyPr anchor="ctr">
-            <a:normAutofit/>
-          </a:bodyPr>
-          <a:lstStyle/>
-          <a:p>
-            <a:r>
-              <a:rPr lang="pt-BR" dirty="0"/>
-              <a:t>Módulo veículos</a:t>
-            </a:r>
-          </a:p>
-        </p:txBody>
-      </p:sp>
-      <p:sp>
-        <p:nvSpPr>
-          <p:cNvPr id="10" name="Rectangle 9">
-            <a:extLst>
-              <a:ext uri="{FF2B5EF4-FFF2-40B4-BE49-F238E27FC236}">
-                <a16:creationId xmlns:a16="http://schemas.microsoft.com/office/drawing/2014/main" id="{9546C973-6034-4DAE-8C50-764E3160487D}"/>
-              </a:ext>
-              <a:ext uri="{C183D7F6-B498-43B3-948B-1728B52AA6E4}">
-                <adec:decorative xmlns:adec="http://schemas.microsoft.com/office/drawing/2017/decorative" val="1"/>
-              </a:ext>
-            </a:extLst>
-          </p:cNvPr>
-          <p:cNvSpPr>
-            <a:spLocks noGrp="1" noRot="1" noChangeAspect="1" noMove="1" noResize="1" noEditPoints="1" noAdjustHandles="1" noChangeArrowheads="1" noChangeShapeType="1" noTextEdit="1"/>
-          </p:cNvSpPr>
-          <p:nvPr>
-            <p:extLst>
-              <p:ext uri="{386F3935-93C4-4BCD-93E2-E3B085C9AB24}">
-                <p16:designElem xmlns:p16="http://schemas.microsoft.com/office/powerpoint/2015/main" val="1"/>
-              </p:ext>
-            </p:extLst>
-          </p:nvPr>
-        </p:nvSpPr>
-        <p:spPr>
-          <a:xfrm>
-            <a:off x="0" y="0"/>
-            <a:ext cx="309705" cy="6858000"/>
-          </a:xfrm>
-          <a:prstGeom prst="rect">
-            <a:avLst/>
-          </a:prstGeom>
-          <a:solidFill>
-            <a:schemeClr val="tx1">
-              <a:alpha val="10000"/>
-            </a:schemeClr>
-          </a:solidFill>
-          <a:ln>
-            <a:noFill/>
-          </a:ln>
-        </p:spPr>
-        <p:style>
-          <a:lnRef idx="2">
-            <a:schemeClr val="accent1">
-              <a:shade val="50000"/>
-            </a:schemeClr>
-          </a:lnRef>
-          <a:fillRef idx="1">
-            <a:schemeClr val="accent1"/>
-          </a:fillRef>
-          <a:effectRef idx="0">
-            <a:schemeClr val="accent1"/>
-          </a:effectRef>
-          <a:fontRef idx="minor">
-            <a:schemeClr val="lt1"/>
-          </a:fontRef>
-        </p:style>
-        <p:txBody>
-          <a:bodyPr rtlCol="0" anchor="ctr"/>
-          <a:lstStyle/>
-          <a:p>
-            <a:pPr algn="ctr"/>
-            <a:endParaRPr lang="en-US"/>
-          </a:p>
-        </p:txBody>
-      </p:sp>
-      <p:cxnSp>
-        <p:nvCxnSpPr>
-          <p:cNvPr id="12" name="Straight Connector 11">
-            <a:extLst>
-              <a:ext uri="{FF2B5EF4-FFF2-40B4-BE49-F238E27FC236}">
-                <a16:creationId xmlns:a16="http://schemas.microsoft.com/office/drawing/2014/main" id="{BC2ADC72-9292-411C-B17E-1DC83998D3C8}"/>
-              </a:ext>
-              <a:ext uri="{C183D7F6-B498-43B3-948B-1728B52AA6E4}">
-                <adec:decorative xmlns:adec="http://schemas.microsoft.com/office/drawing/2017/decorative" val="1"/>
-              </a:ext>
-            </a:extLst>
-          </p:cNvPr>
-          <p:cNvCxnSpPr>
-            <a:cxnSpLocks noGrp="1" noRot="1" noChangeAspect="1" noMove="1" noResize="1" noEditPoints="1" noAdjustHandles="1" noChangeArrowheads="1" noChangeShapeType="1"/>
-          </p:cNvCxnSpPr>
-          <p:nvPr>
-            <p:extLst>
-              <p:ext uri="{386F3935-93C4-4BCD-93E2-E3B085C9AB24}">
-                <p16:designElem xmlns:p16="http://schemas.microsoft.com/office/powerpoint/2015/main" val="1"/>
-              </p:ext>
-            </p:extLst>
-          </p:nvPr>
-        </p:nvCxnSpPr>
-        <p:spPr>
-          <a:xfrm>
-            <a:off x="11553659" y="666625"/>
-            <a:ext cx="0" cy="1207892"/>
-          </a:xfrm>
-          <a:prstGeom prst="line">
-            <a:avLst/>
-          </a:prstGeom>
-          <a:ln w="22225">
-            <a:solidFill>
-              <a:schemeClr val="accent1"/>
-            </a:solidFill>
-          </a:ln>
-        </p:spPr>
-        <p:style>
-          <a:lnRef idx="1">
-            <a:schemeClr val="accent1"/>
-          </a:lnRef>
-          <a:fillRef idx="0">
-            <a:schemeClr val="accent1"/>
-          </a:fillRef>
-          <a:effectRef idx="0">
-            <a:schemeClr val="accent1"/>
-          </a:effectRef>
-          <a:fontRef idx="minor">
-            <a:schemeClr val="tx1"/>
-          </a:fontRef>
-        </p:style>
-      </p:cxnSp>
-      <p:sp>
-        <p:nvSpPr>
-          <p:cNvPr id="3" name="Espaço Reservado para Conteúdo 2">
-            <a:extLst>
-              <a:ext uri="{FF2B5EF4-FFF2-40B4-BE49-F238E27FC236}">
-                <a16:creationId xmlns:a16="http://schemas.microsoft.com/office/drawing/2014/main" id="{C1E8E55B-5F32-4D98-96EA-AA09D3A1BEE8}"/>
-              </a:ext>
-            </a:extLst>
-          </p:cNvPr>
-          <p:cNvSpPr>
-            <a:spLocks noGrp="1"/>
-          </p:cNvSpPr>
-          <p:nvPr>
-            <p:ph idx="1"/>
-          </p:nvPr>
-        </p:nvSpPr>
-        <p:spPr>
-          <a:xfrm>
-            <a:off x="916850" y="1077138"/>
-            <a:ext cx="10668004" cy="3593592"/>
+            <a:off x="599394" y="522020"/>
+            <a:ext cx="3398866" cy="768102"/>
           </a:xfrm>
         </p:spPr>
         <p:txBody>
           <a:bodyPr>
-            <a:noAutofit/>
+            <a:normAutofit/>
           </a:bodyPr>
           <a:lstStyle/>
           <a:p>
-            <a:pPr marL="457200" indent="-457200">
-              <a:buFont typeface="+mj-lt"/>
-              <a:buAutoNum type="arabicPeriod" startAt="6"/>
-            </a:pPr>
-            <a:r>
-              <a:rPr lang="pt-BR" sz="2400" dirty="0"/>
-              <a:t>Os veículos seguirão o seguinte formato: veículo VIP e normal; moto VIP e normal;</a:t>
-            </a:r>
-          </a:p>
-          <a:p>
-            <a:pPr marL="457200" indent="-457200">
-              <a:buFont typeface="+mj-lt"/>
-              <a:buAutoNum type="arabicPeriod" startAt="6"/>
-            </a:pPr>
-            <a:r>
-              <a:rPr lang="pt-BR" sz="2400" dirty="0"/>
-              <a:t>A diária do carro na categoria VIP deve custar R$ 250 e normal R$ 100; a diária da moto na categoria VIP deve custar R$ 150 e normal R$ 50 (independente de local e data);</a:t>
-            </a:r>
-          </a:p>
-          <a:p>
-            <a:pPr marL="457200" indent="-457200">
-              <a:buFont typeface="+mj-lt"/>
-              <a:buAutoNum type="arabicPeriod" startAt="6"/>
-            </a:pPr>
-            <a:r>
-              <a:rPr lang="pt-BR" sz="2400" dirty="0"/>
-              <a:t>O usuário deve escolher o veículo, escolher se gostaria de seguro (R$ 20 por diária VIP e R$ 10 normal) e ser encaminhado para a página de pagamento;</a:t>
-            </a:r>
-          </a:p>
-          <a:p>
-            <a:pPr marL="457200" indent="-457200">
-              <a:buFont typeface="+mj-lt"/>
-              <a:buAutoNum type="arabicPeriod" startAt="6"/>
-            </a:pPr>
-            <a:r>
-              <a:rPr lang="pt-BR" sz="2400" dirty="0"/>
-              <a:t>Ao finalizar o pagamento, o módulo de pagamento irá retornar para a página da aplicação, informando o status do pagamento (ao qual a aplicação deve informar na tela para o usuário);</a:t>
-            </a:r>
-          </a:p>
-          <a:p>
-            <a:pPr marL="457200" indent="-457200">
-              <a:buFont typeface="+mj-lt"/>
-              <a:buAutoNum type="arabicPeriod" startAt="6"/>
-            </a:pPr>
-            <a:r>
-              <a:rPr lang="pt-BR" sz="2400" dirty="0"/>
-              <a:t>O usuário poderá visualizar as transações que já foram efetuadas por ele, exibindo o status da compra como “Concluída”, “Em andamento” ou “Cancelado”.</a:t>
+            <a:pPr algn="r"/>
+            <a:r>
+              <a:rPr lang="pt-BR" sz="4000" dirty="0"/>
+              <a:t>Descrição</a:t>
             </a:r>
           </a:p>
         </p:txBody>
@@ -7687,7 +7273,7 @@
     </p:spTree>
     <p:extLst>
       <p:ext uri="{BB962C8B-B14F-4D97-AF65-F5344CB8AC3E}">
-        <p14:creationId xmlns:p14="http://schemas.microsoft.com/office/powerpoint/2010/main" val="1833873375"/>
+        <p14:creationId xmlns:p14="http://schemas.microsoft.com/office/powerpoint/2010/main" val="3502208303"/>
       </p:ext>
     </p:extLst>
   </p:cSld>
@@ -7722,72 +7308,12 @@
           <a:chExt cx="0" cy="0"/>
         </a:xfrm>
       </p:grpSpPr>
-      <p:sp useBgFill="1">
-        <p:nvSpPr>
-          <p:cNvPr id="8" name="Rectangle 7">
-            <a:extLst>
-              <a:ext uri="{FF2B5EF4-FFF2-40B4-BE49-F238E27FC236}">
-                <a16:creationId xmlns:a16="http://schemas.microsoft.com/office/drawing/2014/main" id="{ABD17F87-FE96-4A5F-83F2-3E87B953B074}"/>
-              </a:ext>
-              <a:ext uri="{C183D7F6-B498-43B3-948B-1728B52AA6E4}">
-                <adec:decorative xmlns:adec="http://schemas.microsoft.com/office/drawing/2017/decorative" val="1"/>
-              </a:ext>
-            </a:extLst>
-          </p:cNvPr>
-          <p:cNvSpPr>
-            <a:spLocks noGrp="1" noRot="1" noChangeAspect="1" noMove="1" noResize="1" noEditPoints="1" noAdjustHandles="1" noChangeArrowheads="1" noChangeShapeType="1" noTextEdit="1"/>
-          </p:cNvSpPr>
-          <p:nvPr>
-            <p:extLst>
-              <p:ext uri="{386F3935-93C4-4BCD-93E2-E3B085C9AB24}">
-                <p16:designElem xmlns:p16="http://schemas.microsoft.com/office/powerpoint/2015/main" val="1"/>
-              </p:ext>
-            </p:extLst>
-          </p:nvPr>
-        </p:nvSpPr>
-        <p:spPr bwMode="ltGray">
-          <a:xfrm>
-            <a:off x="0" y="0"/>
-            <a:ext cx="12191999" cy="6858000"/>
-          </a:xfrm>
-          <a:prstGeom prst="rect">
-            <a:avLst/>
-          </a:prstGeom>
-          <a:ln>
-            <a:noFill/>
-          </a:ln>
-        </p:spPr>
-        <p:style>
-          <a:lnRef idx="2">
-            <a:schemeClr val="accent1">
-              <a:shade val="50000"/>
-            </a:schemeClr>
-          </a:lnRef>
-          <a:fillRef idx="1">
-            <a:schemeClr val="accent1"/>
-          </a:fillRef>
-          <a:effectRef idx="0">
-            <a:schemeClr val="accent1"/>
-          </a:effectRef>
-          <a:fontRef idx="minor">
-            <a:schemeClr val="lt1"/>
-          </a:fontRef>
-        </p:style>
-        <p:txBody>
-          <a:bodyPr rtlCol="0" anchor="ctr"/>
-          <a:lstStyle/>
-          <a:p>
-            <a:pPr algn="ctr"/>
-            <a:endParaRPr lang="en-US"/>
-          </a:p>
-        </p:txBody>
-      </p:sp>
       <p:sp>
         <p:nvSpPr>
           <p:cNvPr id="2" name="Título 1">
             <a:extLst>
               <a:ext uri="{FF2B5EF4-FFF2-40B4-BE49-F238E27FC236}">
-                <a16:creationId xmlns:a16="http://schemas.microsoft.com/office/drawing/2014/main" id="{62385694-0A91-4621-933E-45B9EB95A9D8}"/>
+                <a16:creationId xmlns:a16="http://schemas.microsoft.com/office/drawing/2014/main" id="{7AC8C4D4-7EF7-47D4-B8C9-9D65E84912BE}"/>
               </a:ext>
             </a:extLst>
           </p:cNvPr>
@@ -7795,165 +7321,13 @@
             <a:spLocks noGrp="1"/>
           </p:cNvSpPr>
           <p:nvPr>
-            <p:ph type="title"/>
+            <p:ph type="ctrTitle"/>
           </p:nvPr>
         </p:nvSpPr>
         <p:spPr>
           <a:xfrm>
-            <a:off x="761996" y="666625"/>
-            <a:ext cx="10668004" cy="1207892"/>
-          </a:xfrm>
-        </p:spPr>
-        <p:txBody>
-          <a:bodyPr anchor="ctr">
-            <a:normAutofit/>
-          </a:bodyPr>
-          <a:lstStyle/>
-          <a:p>
-            <a:r>
-              <a:rPr lang="pt-BR" dirty="0"/>
-              <a:t>SERVIÇOS disponíveis</a:t>
-            </a:r>
-          </a:p>
-        </p:txBody>
-      </p:sp>
-      <p:sp>
-        <p:nvSpPr>
-          <p:cNvPr id="10" name="Rectangle 9">
-            <a:extLst>
-              <a:ext uri="{FF2B5EF4-FFF2-40B4-BE49-F238E27FC236}">
-                <a16:creationId xmlns:a16="http://schemas.microsoft.com/office/drawing/2014/main" id="{9546C973-6034-4DAE-8C50-764E3160487D}"/>
-              </a:ext>
-              <a:ext uri="{C183D7F6-B498-43B3-948B-1728B52AA6E4}">
-                <adec:decorative xmlns:adec="http://schemas.microsoft.com/office/drawing/2017/decorative" val="1"/>
-              </a:ext>
-            </a:extLst>
-          </p:cNvPr>
-          <p:cNvSpPr>
-            <a:spLocks noGrp="1" noRot="1" noChangeAspect="1" noMove="1" noResize="1" noEditPoints="1" noAdjustHandles="1" noChangeArrowheads="1" noChangeShapeType="1" noTextEdit="1"/>
-          </p:cNvSpPr>
-          <p:nvPr>
-            <p:extLst>
-              <p:ext uri="{386F3935-93C4-4BCD-93E2-E3B085C9AB24}">
-                <p16:designElem xmlns:p16="http://schemas.microsoft.com/office/powerpoint/2015/main" val="1"/>
-              </p:ext>
-            </p:extLst>
-          </p:nvPr>
-        </p:nvSpPr>
-        <p:spPr>
-          <a:xfrm>
-            <a:off x="0" y="0"/>
-            <a:ext cx="309705" cy="6858000"/>
-          </a:xfrm>
-          <a:prstGeom prst="rect">
-            <a:avLst/>
-          </a:prstGeom>
-          <a:solidFill>
-            <a:schemeClr val="tx1">
-              <a:alpha val="10000"/>
-            </a:schemeClr>
-          </a:solidFill>
-          <a:ln>
-            <a:noFill/>
-          </a:ln>
-        </p:spPr>
-        <p:style>
-          <a:lnRef idx="2">
-            <a:schemeClr val="accent1">
-              <a:shade val="50000"/>
-            </a:schemeClr>
-          </a:lnRef>
-          <a:fillRef idx="1">
-            <a:schemeClr val="accent1"/>
-          </a:fillRef>
-          <a:effectRef idx="0">
-            <a:schemeClr val="accent1"/>
-          </a:effectRef>
-          <a:fontRef idx="minor">
-            <a:schemeClr val="lt1"/>
-          </a:fontRef>
-        </p:style>
-        <p:txBody>
-          <a:bodyPr rtlCol="0" anchor="ctr"/>
-          <a:lstStyle/>
-          <a:p>
-            <a:pPr algn="ctr"/>
-            <a:endParaRPr lang="en-US"/>
-          </a:p>
-        </p:txBody>
-      </p:sp>
-      <p:cxnSp>
-        <p:nvCxnSpPr>
-          <p:cNvPr id="12" name="Straight Connector 11">
-            <a:extLst>
-              <a:ext uri="{FF2B5EF4-FFF2-40B4-BE49-F238E27FC236}">
-                <a16:creationId xmlns:a16="http://schemas.microsoft.com/office/drawing/2014/main" id="{BC2ADC72-9292-411C-B17E-1DC83998D3C8}"/>
-              </a:ext>
-              <a:ext uri="{C183D7F6-B498-43B3-948B-1728B52AA6E4}">
-                <adec:decorative xmlns:adec="http://schemas.microsoft.com/office/drawing/2017/decorative" val="1"/>
-              </a:ext>
-            </a:extLst>
-          </p:cNvPr>
-          <p:cNvCxnSpPr>
-            <a:cxnSpLocks noGrp="1" noRot="1" noChangeAspect="1" noMove="1" noResize="1" noEditPoints="1" noAdjustHandles="1" noChangeArrowheads="1" noChangeShapeType="1"/>
-          </p:cNvCxnSpPr>
-          <p:nvPr>
-            <p:extLst>
-              <p:ext uri="{386F3935-93C4-4BCD-93E2-E3B085C9AB24}">
-                <p16:designElem xmlns:p16="http://schemas.microsoft.com/office/powerpoint/2015/main" val="1"/>
-              </p:ext>
-            </p:extLst>
-          </p:nvPr>
-        </p:nvCxnSpPr>
-        <p:spPr>
-          <a:xfrm>
-            <a:off x="11553659" y="666625"/>
-            <a:ext cx="0" cy="1207892"/>
-          </a:xfrm>
-          <a:prstGeom prst="line">
-            <a:avLst/>
-          </a:prstGeom>
-          <a:ln w="22225">
-            <a:solidFill>
-              <a:schemeClr val="accent1"/>
-            </a:solidFill>
-          </a:ln>
-        </p:spPr>
-        <p:style>
-          <a:lnRef idx="1">
-            <a:schemeClr val="accent1"/>
-          </a:lnRef>
-          <a:fillRef idx="0">
-            <a:schemeClr val="accent1"/>
-          </a:fillRef>
-          <a:effectRef idx="0">
-            <a:schemeClr val="accent1"/>
-          </a:effectRef>
-          <a:fontRef idx="minor">
-            <a:schemeClr val="tx1"/>
-          </a:fontRef>
-        </p:style>
-      </p:cxnSp>
-      <p:sp>
-        <p:nvSpPr>
-          <p:cNvPr id="3" name="Espaço Reservado para Conteúdo 2">
-            <a:extLst>
-              <a:ext uri="{FF2B5EF4-FFF2-40B4-BE49-F238E27FC236}">
-                <a16:creationId xmlns:a16="http://schemas.microsoft.com/office/drawing/2014/main" id="{7F88E498-157F-4716-BE67-206877223423}"/>
-              </a:ext>
-            </a:extLst>
-          </p:cNvPr>
-          <p:cNvSpPr>
-            <a:spLocks noGrp="1"/>
-          </p:cNvSpPr>
-          <p:nvPr>
-            <p:ph idx="1"/>
-          </p:nvPr>
-        </p:nvSpPr>
-        <p:spPr>
-          <a:xfrm>
-            <a:off x="761996" y="2286001"/>
-            <a:ext cx="8009767" cy="3593592"/>
+            <a:off x="726142" y="539949"/>
+            <a:ext cx="3271032" cy="768102"/>
           </a:xfrm>
         </p:spPr>
         <p:txBody>
@@ -7962,27 +7336,10 @@
           </a:bodyPr>
           <a:lstStyle/>
           <a:p>
-            <a:r>
-              <a:rPr lang="pt-BR" sz="2400" dirty="0"/>
-              <a:t>Exibir veículos disponíveis (data/local);</a:t>
-            </a:r>
-          </a:p>
-          <a:p>
-            <a:r>
-              <a:rPr lang="pt-BR" sz="2400" dirty="0"/>
-              <a:t>Exibir opcionais disponíveis no veículo; </a:t>
-            </a:r>
-          </a:p>
-          <a:p>
-            <a:r>
-              <a:rPr lang="pt-BR" sz="2400" dirty="0"/>
-              <a:t>Reservar veículo;  </a:t>
-            </a:r>
-          </a:p>
-          <a:p>
-            <a:r>
-              <a:rPr lang="pt-BR" sz="2400" dirty="0"/>
-              <a:t>Exibir reservas por usuário. </a:t>
+            <a:pPr algn="r"/>
+            <a:r>
+              <a:rPr lang="pt-BR" sz="4000" dirty="0"/>
+              <a:t>Relatório</a:t>
             </a:r>
           </a:p>
         </p:txBody>
@@ -7990,7 +7347,7 @@
     </p:spTree>
     <p:extLst>
       <p:ext uri="{BB962C8B-B14F-4D97-AF65-F5344CB8AC3E}">
-        <p14:creationId xmlns:p14="http://schemas.microsoft.com/office/powerpoint/2010/main" val="4226881018"/>
+        <p14:creationId xmlns:p14="http://schemas.microsoft.com/office/powerpoint/2010/main" val="3622284094"/>
       </p:ext>
     </p:extLst>
   </p:cSld>
@@ -8025,72 +7382,12 @@
           <a:chExt cx="0" cy="0"/>
         </a:xfrm>
       </p:grpSpPr>
-      <p:sp useBgFill="1">
-        <p:nvSpPr>
-          <p:cNvPr id="8" name="Rectangle 7">
-            <a:extLst>
-              <a:ext uri="{FF2B5EF4-FFF2-40B4-BE49-F238E27FC236}">
-                <a16:creationId xmlns:a16="http://schemas.microsoft.com/office/drawing/2014/main" id="{ABD17F87-FE96-4A5F-83F2-3E87B953B074}"/>
-              </a:ext>
-              <a:ext uri="{C183D7F6-B498-43B3-948B-1728B52AA6E4}">
-                <adec:decorative xmlns:adec="http://schemas.microsoft.com/office/drawing/2017/decorative" val="1"/>
-              </a:ext>
-            </a:extLst>
-          </p:cNvPr>
-          <p:cNvSpPr>
-            <a:spLocks noGrp="1" noRot="1" noChangeAspect="1" noMove="1" noResize="1" noEditPoints="1" noAdjustHandles="1" noChangeArrowheads="1" noChangeShapeType="1" noTextEdit="1"/>
-          </p:cNvSpPr>
-          <p:nvPr>
-            <p:extLst>
-              <p:ext uri="{386F3935-93C4-4BCD-93E2-E3B085C9AB24}">
-                <p16:designElem xmlns:p16="http://schemas.microsoft.com/office/powerpoint/2015/main" val="1"/>
-              </p:ext>
-            </p:extLst>
-          </p:nvPr>
-        </p:nvSpPr>
-        <p:spPr bwMode="ltGray">
-          <a:xfrm>
-            <a:off x="0" y="0"/>
-            <a:ext cx="12191999" cy="6858000"/>
-          </a:xfrm>
-          <a:prstGeom prst="rect">
-            <a:avLst/>
-          </a:prstGeom>
-          <a:ln>
-            <a:noFill/>
-          </a:ln>
-        </p:spPr>
-        <p:style>
-          <a:lnRef idx="2">
-            <a:schemeClr val="accent1">
-              <a:shade val="50000"/>
-            </a:schemeClr>
-          </a:lnRef>
-          <a:fillRef idx="1">
-            <a:schemeClr val="accent1"/>
-          </a:fillRef>
-          <a:effectRef idx="0">
-            <a:schemeClr val="accent1"/>
-          </a:effectRef>
-          <a:fontRef idx="minor">
-            <a:schemeClr val="lt1"/>
-          </a:fontRef>
-        </p:style>
-        <p:txBody>
-          <a:bodyPr rtlCol="0" anchor="ctr"/>
-          <a:lstStyle/>
-          <a:p>
-            <a:pPr algn="ctr"/>
-            <a:endParaRPr lang="en-US"/>
-          </a:p>
-        </p:txBody>
-      </p:sp>
       <p:sp>
         <p:nvSpPr>
           <p:cNvPr id="2" name="Título 1">
             <a:extLst>
               <a:ext uri="{FF2B5EF4-FFF2-40B4-BE49-F238E27FC236}">
-                <a16:creationId xmlns:a16="http://schemas.microsoft.com/office/drawing/2014/main" id="{112B7741-D610-4002-81DE-8B2CDE6EEF31}"/>
+                <a16:creationId xmlns:a16="http://schemas.microsoft.com/office/drawing/2014/main" id="{7AC8C4D4-7EF7-47D4-B8C9-9D65E84912BE}"/>
               </a:ext>
             </a:extLst>
           </p:cNvPr>
@@ -8098,214 +7395,84 @@
             <a:spLocks noGrp="1"/>
           </p:cNvSpPr>
           <p:nvPr>
-            <p:ph type="title"/>
+            <p:ph type="ctrTitle"/>
           </p:nvPr>
         </p:nvSpPr>
         <p:spPr>
           <a:xfrm>
-            <a:off x="761996" y="666625"/>
-            <a:ext cx="10668004" cy="1207892"/>
+            <a:off x="726142" y="539949"/>
+            <a:ext cx="3271032" cy="768102"/>
           </a:xfrm>
         </p:spPr>
         <p:txBody>
-          <a:bodyPr anchor="ctr">
-            <a:normAutofit/>
+          <a:bodyPr>
+            <a:normAutofit fontScale="90000"/>
           </a:bodyPr>
           <a:lstStyle/>
           <a:p>
-            <a:r>
-              <a:rPr lang="pt-BR" dirty="0"/>
-              <a:t>Serviços consumidos</a:t>
+            <a:pPr algn="r"/>
+            <a:r>
+              <a:rPr lang="pt-BR" sz="4000" dirty="0"/>
+              <a:t>Manual de ambiente</a:t>
             </a:r>
           </a:p>
         </p:txBody>
       </p:sp>
       <p:sp>
         <p:nvSpPr>
-          <p:cNvPr id="10" name="Rectangle 9">
+          <p:cNvPr id="3" name="CaixaDeTexto 2">
             <a:extLst>
               <a:ext uri="{FF2B5EF4-FFF2-40B4-BE49-F238E27FC236}">
-                <a16:creationId xmlns:a16="http://schemas.microsoft.com/office/drawing/2014/main" id="{9546C973-6034-4DAE-8C50-764E3160487D}"/>
-              </a:ext>
-              <a:ext uri="{C183D7F6-B498-43B3-948B-1728B52AA6E4}">
-                <adec:decorative xmlns:adec="http://schemas.microsoft.com/office/drawing/2017/decorative" val="1"/>
+                <a16:creationId xmlns:a16="http://schemas.microsoft.com/office/drawing/2014/main" id="{8D12A848-5427-4FB8-AEFF-42305618466E}"/>
               </a:ext>
             </a:extLst>
           </p:cNvPr>
-          <p:cNvSpPr>
-            <a:spLocks noGrp="1" noRot="1" noChangeAspect="1" noMove="1" noResize="1" noEditPoints="1" noAdjustHandles="1" noChangeArrowheads="1" noChangeShapeType="1" noTextEdit="1"/>
-          </p:cNvSpPr>
-          <p:nvPr>
-            <p:extLst>
-              <p:ext uri="{386F3935-93C4-4BCD-93E2-E3B085C9AB24}">
-                <p16:designElem xmlns:p16="http://schemas.microsoft.com/office/powerpoint/2015/main" val="1"/>
-              </p:ext>
-            </p:extLst>
-          </p:nvPr>
+          <p:cNvSpPr txBox="1"/>
+          <p:nvPr/>
         </p:nvSpPr>
         <p:spPr>
           <a:xfrm>
-            <a:off x="0" y="0"/>
-            <a:ext cx="309705" cy="6858000"/>
+            <a:off x="2405085" y="3244334"/>
+            <a:ext cx="7381829" cy="369332"/>
           </a:xfrm>
           <a:prstGeom prst="rect">
             <a:avLst/>
           </a:prstGeom>
-          <a:solidFill>
-            <a:schemeClr val="tx1">
-              <a:alpha val="10000"/>
-            </a:schemeClr>
-          </a:solidFill>
-          <a:ln>
-            <a:noFill/>
-          </a:ln>
-        </p:spPr>
-        <p:style>
-          <a:lnRef idx="2">
-            <a:schemeClr val="accent1">
-              <a:shade val="50000"/>
-            </a:schemeClr>
-          </a:lnRef>
-          <a:fillRef idx="1">
-            <a:schemeClr val="accent1"/>
-          </a:fillRef>
-          <a:effectRef idx="0">
-            <a:schemeClr val="accent1"/>
-          </a:effectRef>
-          <a:fontRef idx="minor">
-            <a:schemeClr val="lt1"/>
-          </a:fontRef>
-        </p:style>
-        <p:txBody>
-          <a:bodyPr rtlCol="0" anchor="ctr"/>
-          <a:lstStyle/>
-          <a:p>
-            <a:pPr algn="ctr"/>
-            <a:endParaRPr lang="en-US"/>
-          </a:p>
-        </p:txBody>
-      </p:sp>
-      <p:cxnSp>
-        <p:nvCxnSpPr>
-          <p:cNvPr id="12" name="Straight Connector 11">
-            <a:extLst>
-              <a:ext uri="{FF2B5EF4-FFF2-40B4-BE49-F238E27FC236}">
-                <a16:creationId xmlns:a16="http://schemas.microsoft.com/office/drawing/2014/main" id="{BC2ADC72-9292-411C-B17E-1DC83998D3C8}"/>
-              </a:ext>
-              <a:ext uri="{C183D7F6-B498-43B3-948B-1728B52AA6E4}">
-                <adec:decorative xmlns:adec="http://schemas.microsoft.com/office/drawing/2017/decorative" val="1"/>
-              </a:ext>
-            </a:extLst>
-          </p:cNvPr>
-          <p:cNvCxnSpPr>
-            <a:cxnSpLocks noGrp="1" noRot="1" noChangeAspect="1" noMove="1" noResize="1" noEditPoints="1" noAdjustHandles="1" noChangeArrowheads="1" noChangeShapeType="1"/>
-          </p:cNvCxnSpPr>
-          <p:nvPr>
-            <p:extLst>
-              <p:ext uri="{386F3935-93C4-4BCD-93E2-E3B085C9AB24}">
-                <p16:designElem xmlns:p16="http://schemas.microsoft.com/office/powerpoint/2015/main" val="1"/>
-              </p:ext>
-            </p:extLst>
-          </p:nvPr>
-        </p:nvCxnSpPr>
-        <p:spPr>
-          <a:xfrm>
-            <a:off x="11553659" y="666625"/>
-            <a:ext cx="0" cy="1207892"/>
-          </a:xfrm>
-          <a:prstGeom prst="line">
-            <a:avLst/>
-          </a:prstGeom>
-          <a:ln w="22225">
-            <a:solidFill>
-              <a:schemeClr val="accent1"/>
-            </a:solidFill>
-          </a:ln>
-        </p:spPr>
-        <p:style>
-          <a:lnRef idx="1">
-            <a:schemeClr val="accent1"/>
-          </a:lnRef>
-          <a:fillRef idx="0">
-            <a:schemeClr val="accent1"/>
-          </a:fillRef>
-          <a:effectRef idx="0">
-            <a:schemeClr val="accent1"/>
-          </a:effectRef>
-          <a:fontRef idx="minor">
-            <a:schemeClr val="tx1"/>
-          </a:fontRef>
-        </p:style>
-      </p:cxnSp>
-      <p:sp>
-        <p:nvSpPr>
-          <p:cNvPr id="3" name="Espaço Reservado para Conteúdo 2">
-            <a:extLst>
-              <a:ext uri="{FF2B5EF4-FFF2-40B4-BE49-F238E27FC236}">
-                <a16:creationId xmlns:a16="http://schemas.microsoft.com/office/drawing/2014/main" id="{928703A1-38F2-4BED-87C2-64969CD973C3}"/>
-              </a:ext>
-            </a:extLst>
-          </p:cNvPr>
-          <p:cNvSpPr>
-            <a:spLocks noGrp="1"/>
-          </p:cNvSpPr>
-          <p:nvPr>
-            <p:ph idx="1"/>
-          </p:nvPr>
-        </p:nvSpPr>
-        <p:spPr>
-          <a:xfrm>
-            <a:off x="761996" y="2286001"/>
-            <a:ext cx="10668004" cy="3593592"/>
-          </a:xfrm>
+          <a:noFill/>
         </p:spPr>
         <p:txBody>
-          <a:bodyPr>
-            <a:normAutofit/>
+          <a:bodyPr wrap="none" rtlCol="0">
+            <a:spAutoFit/>
           </a:bodyPr>
           <a:lstStyle/>
           <a:p>
             <a:r>
-              <a:rPr lang="pt-BR" sz="2400" dirty="0"/>
-              <a:t>Cadastro de usuário;</a:t>
-            </a:r>
-          </a:p>
-          <a:p>
-            <a:r>
-              <a:rPr lang="pt-BR" sz="2400" dirty="0"/>
-              <a:t>Login de usuário;</a:t>
-            </a:r>
-          </a:p>
-          <a:p>
-            <a:r>
-              <a:rPr lang="pt-BR" sz="2400" dirty="0"/>
-              <a:t>Exibir veículos disponíveis (data/local); </a:t>
-            </a:r>
-          </a:p>
-          <a:p>
-            <a:r>
-              <a:rPr lang="pt-BR" sz="2400" dirty="0"/>
-              <a:t>Exibir opcionais disponíveis no veículo;</a:t>
-            </a:r>
-          </a:p>
-          <a:p>
-            <a:r>
-              <a:rPr lang="pt-BR" sz="2400" dirty="0"/>
-              <a:t>Reservar veículo;</a:t>
-            </a:r>
-          </a:p>
-          <a:p>
-            <a:r>
-              <a:rPr lang="pt-BR" sz="2400" dirty="0"/>
-              <a:t>Exibir reservas por usuário.</a:t>
-            </a:r>
+              <a:rPr lang="pt-BR" dirty="0">
+                <a:solidFill>
+                  <a:schemeClr val="accent5"/>
+                </a:solidFill>
+                <a:hlinkClick r:id="rId2">
+                  <a:extLst>
+                    <a:ext uri="{A12FA001-AC4F-418D-AE19-62706E023703}">
+                      <ahyp:hlinkClr xmlns:ahyp="http://schemas.microsoft.com/office/drawing/2018/hyperlinkcolor" val="tx"/>
+                    </a:ext>
+                  </a:extLst>
+                </a:hlinkClick>
+              </a:rPr>
+              <a:t>https://github.com/leocassiosilva/locacaoVeiculos/wiki/7.-Manual-de-Ambiente</a:t>
+            </a:r>
+            <a:endParaRPr lang="pt-BR" dirty="0">
+              <a:solidFill>
+                <a:schemeClr val="accent5"/>
+              </a:solidFill>
+            </a:endParaRPr>
           </a:p>
         </p:txBody>
       </p:sp>
     </p:spTree>
     <p:extLst>
       <p:ext uri="{BB962C8B-B14F-4D97-AF65-F5344CB8AC3E}">
-        <p14:creationId xmlns:p14="http://schemas.microsoft.com/office/powerpoint/2010/main" val="668316710"/>
+        <p14:creationId xmlns:p14="http://schemas.microsoft.com/office/powerpoint/2010/main" val="3212092136"/>
       </p:ext>
     </p:extLst>
   </p:cSld>
@@ -8340,72 +7507,12 @@
           <a:chExt cx="0" cy="0"/>
         </a:xfrm>
       </p:grpSpPr>
-      <p:sp useBgFill="1">
-        <p:nvSpPr>
-          <p:cNvPr id="8" name="Rectangle 7">
-            <a:extLst>
-              <a:ext uri="{FF2B5EF4-FFF2-40B4-BE49-F238E27FC236}">
-                <a16:creationId xmlns:a16="http://schemas.microsoft.com/office/drawing/2014/main" id="{ABD17F87-FE96-4A5F-83F2-3E87B953B074}"/>
-              </a:ext>
-              <a:ext uri="{C183D7F6-B498-43B3-948B-1728B52AA6E4}">
-                <adec:decorative xmlns:adec="http://schemas.microsoft.com/office/drawing/2017/decorative" val="1"/>
-              </a:ext>
-            </a:extLst>
-          </p:cNvPr>
-          <p:cNvSpPr>
-            <a:spLocks noGrp="1" noRot="1" noChangeAspect="1" noMove="1" noResize="1" noEditPoints="1" noAdjustHandles="1" noChangeArrowheads="1" noChangeShapeType="1" noTextEdit="1"/>
-          </p:cNvSpPr>
-          <p:nvPr>
-            <p:extLst>
-              <p:ext uri="{386F3935-93C4-4BCD-93E2-E3B085C9AB24}">
-                <p16:designElem xmlns:p16="http://schemas.microsoft.com/office/powerpoint/2015/main" val="1"/>
-              </p:ext>
-            </p:extLst>
-          </p:nvPr>
-        </p:nvSpPr>
-        <p:spPr bwMode="ltGray">
-          <a:xfrm>
-            <a:off x="0" y="0"/>
-            <a:ext cx="12191999" cy="6858000"/>
-          </a:xfrm>
-          <a:prstGeom prst="rect">
-            <a:avLst/>
-          </a:prstGeom>
-          <a:ln>
-            <a:noFill/>
-          </a:ln>
-        </p:spPr>
-        <p:style>
-          <a:lnRef idx="2">
-            <a:schemeClr val="accent1">
-              <a:shade val="50000"/>
-            </a:schemeClr>
-          </a:lnRef>
-          <a:fillRef idx="1">
-            <a:schemeClr val="accent1"/>
-          </a:fillRef>
-          <a:effectRef idx="0">
-            <a:schemeClr val="accent1"/>
-          </a:effectRef>
-          <a:fontRef idx="minor">
-            <a:schemeClr val="lt1"/>
-          </a:fontRef>
-        </p:style>
-        <p:txBody>
-          <a:bodyPr rtlCol="0" anchor="ctr"/>
-          <a:lstStyle/>
-          <a:p>
-            <a:pPr algn="ctr"/>
-            <a:endParaRPr lang="en-US"/>
-          </a:p>
-        </p:txBody>
-      </p:sp>
       <p:sp>
         <p:nvSpPr>
           <p:cNvPr id="2" name="Título 1">
             <a:extLst>
               <a:ext uri="{FF2B5EF4-FFF2-40B4-BE49-F238E27FC236}">
-                <a16:creationId xmlns:a16="http://schemas.microsoft.com/office/drawing/2014/main" id="{E59711F0-CE8C-42B9-B7B4-B6CED716C3A0}"/>
+                <a16:creationId xmlns:a16="http://schemas.microsoft.com/office/drawing/2014/main" id="{7AC8C4D4-7EF7-47D4-B8C9-9D65E84912BE}"/>
               </a:ext>
             </a:extLst>
           </p:cNvPr>
@@ -8413,165 +7520,13 @@
             <a:spLocks noGrp="1"/>
           </p:cNvSpPr>
           <p:nvPr>
-            <p:ph type="title"/>
+            <p:ph type="ctrTitle"/>
           </p:nvPr>
         </p:nvSpPr>
         <p:spPr>
           <a:xfrm>
-            <a:off x="761996" y="666625"/>
-            <a:ext cx="10668004" cy="1207892"/>
-          </a:xfrm>
-        </p:spPr>
-        <p:txBody>
-          <a:bodyPr anchor="ctr">
-            <a:normAutofit/>
-          </a:bodyPr>
-          <a:lstStyle/>
-          <a:p>
-            <a:r>
-              <a:rPr lang="pt-BR" dirty="0"/>
-              <a:t>Documentação do sistema</a:t>
-            </a:r>
-          </a:p>
-        </p:txBody>
-      </p:sp>
-      <p:sp>
-        <p:nvSpPr>
-          <p:cNvPr id="10" name="Rectangle 9">
-            <a:extLst>
-              <a:ext uri="{FF2B5EF4-FFF2-40B4-BE49-F238E27FC236}">
-                <a16:creationId xmlns:a16="http://schemas.microsoft.com/office/drawing/2014/main" id="{9546C973-6034-4DAE-8C50-764E3160487D}"/>
-              </a:ext>
-              <a:ext uri="{C183D7F6-B498-43B3-948B-1728B52AA6E4}">
-                <adec:decorative xmlns:adec="http://schemas.microsoft.com/office/drawing/2017/decorative" val="1"/>
-              </a:ext>
-            </a:extLst>
-          </p:cNvPr>
-          <p:cNvSpPr>
-            <a:spLocks noGrp="1" noRot="1" noChangeAspect="1" noMove="1" noResize="1" noEditPoints="1" noAdjustHandles="1" noChangeArrowheads="1" noChangeShapeType="1" noTextEdit="1"/>
-          </p:cNvSpPr>
-          <p:nvPr>
-            <p:extLst>
-              <p:ext uri="{386F3935-93C4-4BCD-93E2-E3B085C9AB24}">
-                <p16:designElem xmlns:p16="http://schemas.microsoft.com/office/powerpoint/2015/main" val="1"/>
-              </p:ext>
-            </p:extLst>
-          </p:nvPr>
-        </p:nvSpPr>
-        <p:spPr>
-          <a:xfrm>
-            <a:off x="0" y="0"/>
-            <a:ext cx="309705" cy="6858000"/>
-          </a:xfrm>
-          <a:prstGeom prst="rect">
-            <a:avLst/>
-          </a:prstGeom>
-          <a:solidFill>
-            <a:schemeClr val="tx1">
-              <a:alpha val="10000"/>
-            </a:schemeClr>
-          </a:solidFill>
-          <a:ln>
-            <a:noFill/>
-          </a:ln>
-        </p:spPr>
-        <p:style>
-          <a:lnRef idx="2">
-            <a:schemeClr val="accent1">
-              <a:shade val="50000"/>
-            </a:schemeClr>
-          </a:lnRef>
-          <a:fillRef idx="1">
-            <a:schemeClr val="accent1"/>
-          </a:fillRef>
-          <a:effectRef idx="0">
-            <a:schemeClr val="accent1"/>
-          </a:effectRef>
-          <a:fontRef idx="minor">
-            <a:schemeClr val="lt1"/>
-          </a:fontRef>
-        </p:style>
-        <p:txBody>
-          <a:bodyPr rtlCol="0" anchor="ctr"/>
-          <a:lstStyle/>
-          <a:p>
-            <a:pPr algn="ctr"/>
-            <a:endParaRPr lang="en-US"/>
-          </a:p>
-        </p:txBody>
-      </p:sp>
-      <p:cxnSp>
-        <p:nvCxnSpPr>
-          <p:cNvPr id="12" name="Straight Connector 11">
-            <a:extLst>
-              <a:ext uri="{FF2B5EF4-FFF2-40B4-BE49-F238E27FC236}">
-                <a16:creationId xmlns:a16="http://schemas.microsoft.com/office/drawing/2014/main" id="{BC2ADC72-9292-411C-B17E-1DC83998D3C8}"/>
-              </a:ext>
-              <a:ext uri="{C183D7F6-B498-43B3-948B-1728B52AA6E4}">
-                <adec:decorative xmlns:adec="http://schemas.microsoft.com/office/drawing/2017/decorative" val="1"/>
-              </a:ext>
-            </a:extLst>
-          </p:cNvPr>
-          <p:cNvCxnSpPr>
-            <a:cxnSpLocks noGrp="1" noRot="1" noChangeAspect="1" noMove="1" noResize="1" noEditPoints="1" noAdjustHandles="1" noChangeArrowheads="1" noChangeShapeType="1"/>
-          </p:cNvCxnSpPr>
-          <p:nvPr>
-            <p:extLst>
-              <p:ext uri="{386F3935-93C4-4BCD-93E2-E3B085C9AB24}">
-                <p16:designElem xmlns:p16="http://schemas.microsoft.com/office/powerpoint/2015/main" val="1"/>
-              </p:ext>
-            </p:extLst>
-          </p:nvPr>
-        </p:nvCxnSpPr>
-        <p:spPr>
-          <a:xfrm>
-            <a:off x="11553659" y="666625"/>
-            <a:ext cx="0" cy="1207892"/>
-          </a:xfrm>
-          <a:prstGeom prst="line">
-            <a:avLst/>
-          </a:prstGeom>
-          <a:ln w="22225">
-            <a:solidFill>
-              <a:schemeClr val="accent1"/>
-            </a:solidFill>
-          </a:ln>
-        </p:spPr>
-        <p:style>
-          <a:lnRef idx="1">
-            <a:schemeClr val="accent1"/>
-          </a:lnRef>
-          <a:fillRef idx="0">
-            <a:schemeClr val="accent1"/>
-          </a:fillRef>
-          <a:effectRef idx="0">
-            <a:schemeClr val="accent1"/>
-          </a:effectRef>
-          <a:fontRef idx="minor">
-            <a:schemeClr val="tx1"/>
-          </a:fontRef>
-        </p:style>
-      </p:cxnSp>
-      <p:sp>
-        <p:nvSpPr>
-          <p:cNvPr id="3" name="Espaço Reservado para Conteúdo 2">
-            <a:extLst>
-              <a:ext uri="{FF2B5EF4-FFF2-40B4-BE49-F238E27FC236}">
-                <a16:creationId xmlns:a16="http://schemas.microsoft.com/office/drawing/2014/main" id="{434407C5-F707-4A99-B905-E5D4CEFBB644}"/>
-              </a:ext>
-            </a:extLst>
-          </p:cNvPr>
-          <p:cNvSpPr>
-            <a:spLocks noGrp="1"/>
-          </p:cNvSpPr>
-          <p:nvPr>
-            <p:ph idx="1"/>
-          </p:nvPr>
-        </p:nvSpPr>
-        <p:spPr>
-          <a:xfrm>
-            <a:off x="761996" y="2286001"/>
-            <a:ext cx="10791658" cy="3593592"/>
+            <a:off x="599393" y="522020"/>
+            <a:ext cx="4489843" cy="768102"/>
           </a:xfrm>
         </p:spPr>
         <p:txBody>
@@ -8580,40 +7535,69 @@
           </a:bodyPr>
           <a:lstStyle/>
           <a:p>
-            <a:r>
-              <a:rPr lang="pt-BR" dirty="0"/>
-              <a:t>Link do documento de visão:  </a:t>
-            </a:r>
+            <a:pPr algn="r"/>
+            <a:r>
+              <a:rPr lang="pt-BR" sz="4000" dirty="0"/>
+              <a:t>Implemetação</a:t>
+            </a:r>
+          </a:p>
+        </p:txBody>
+      </p:sp>
+      <p:sp>
+        <p:nvSpPr>
+          <p:cNvPr id="4" name="CaixaDeTexto 3">
+            <a:extLst>
+              <a:ext uri="{FF2B5EF4-FFF2-40B4-BE49-F238E27FC236}">
+                <a16:creationId xmlns:a16="http://schemas.microsoft.com/office/drawing/2014/main" id="{1D2FED94-F981-4C33-BFAF-7D58A6F66557}"/>
+              </a:ext>
+            </a:extLst>
+          </p:cNvPr>
+          <p:cNvSpPr txBox="1"/>
+          <p:nvPr/>
+        </p:nvSpPr>
+        <p:spPr>
+          <a:xfrm>
+            <a:off x="3404996" y="3429000"/>
+            <a:ext cx="5382007" cy="369332"/>
+          </a:xfrm>
+          <a:prstGeom prst="rect">
+            <a:avLst/>
+          </a:prstGeom>
+          <a:noFill/>
+        </p:spPr>
+        <p:txBody>
+          <a:bodyPr wrap="square" rtlCol="0">
+            <a:spAutoFit/>
+          </a:bodyPr>
+          <a:lstStyle/>
+          <a:p>
             <a:r>
               <a:rPr lang="pt-BR" dirty="0">
-                <a:hlinkClick r:id="rId2"/>
+                <a:solidFill>
+                  <a:schemeClr val="accent5"/>
+                </a:solidFill>
+                <a:hlinkClick r:id="rId2">
+                  <a:extLst>
+                    <a:ext uri="{A12FA001-AC4F-418D-AE19-62706E023703}">
+                      <ahyp:hlinkClr xmlns:ahyp="http://schemas.microsoft.com/office/drawing/2018/hyperlinkcolor" val="tx"/>
+                    </a:ext>
+                  </a:extLst>
+                </a:hlinkClick>
               </a:rPr>
-              <a:t>https://drive.google.com/file/d/1dwPTsYK8j58TXWJSOJcVE5SnBvR76TY1/view?usp=sharing</a:t>
-            </a:r>
-            <a:r>
-              <a:rPr lang="pt-BR" dirty="0"/>
-              <a:t> </a:t>
-            </a:r>
-          </a:p>
-          <a:p>
-            <a:r>
-              <a:rPr lang="pt-BR" dirty="0"/>
-              <a:t>Link do documento de Requisitos:  </a:t>
-            </a:r>
-            <a:r>
-              <a:rPr lang="pt-BR" dirty="0">
-                <a:hlinkClick r:id="rId3"/>
-              </a:rPr>
-              <a:t>https://drive.google.com/file/d/1B_gOIihAon5cibYoJDI4I9VoEHyeuIIG/view?usp=sharing</a:t>
-            </a:r>
-            <a:endParaRPr lang="pt-BR" dirty="0"/>
+              <a:t>https://apirest-locacoes.herokuapp.com/swagger-ui.html</a:t>
+            </a:r>
+            <a:endParaRPr lang="pt-BR" dirty="0">
+              <a:solidFill>
+                <a:schemeClr val="accent5"/>
+              </a:solidFill>
+            </a:endParaRPr>
           </a:p>
         </p:txBody>
       </p:sp>
     </p:spTree>
     <p:extLst>
       <p:ext uri="{BB962C8B-B14F-4D97-AF65-F5344CB8AC3E}">
-        <p14:creationId xmlns:p14="http://schemas.microsoft.com/office/powerpoint/2010/main" val="1706188208"/>
+        <p14:creationId xmlns:p14="http://schemas.microsoft.com/office/powerpoint/2010/main" val="1032210006"/>
       </p:ext>
     </p:extLst>
   </p:cSld>
@@ -8648,72 +7632,12 @@
           <a:chExt cx="0" cy="0"/>
         </a:xfrm>
       </p:grpSpPr>
-      <p:sp useBgFill="1">
-        <p:nvSpPr>
-          <p:cNvPr id="8" name="Rectangle 7">
-            <a:extLst>
-              <a:ext uri="{FF2B5EF4-FFF2-40B4-BE49-F238E27FC236}">
-                <a16:creationId xmlns:a16="http://schemas.microsoft.com/office/drawing/2014/main" id="{ABD17F87-FE96-4A5F-83F2-3E87B953B074}"/>
-              </a:ext>
-              <a:ext uri="{C183D7F6-B498-43B3-948B-1728B52AA6E4}">
-                <adec:decorative xmlns:adec="http://schemas.microsoft.com/office/drawing/2017/decorative" val="1"/>
-              </a:ext>
-            </a:extLst>
-          </p:cNvPr>
-          <p:cNvSpPr>
-            <a:spLocks noGrp="1" noRot="1" noChangeAspect="1" noMove="1" noResize="1" noEditPoints="1" noAdjustHandles="1" noChangeArrowheads="1" noChangeShapeType="1" noTextEdit="1"/>
-          </p:cNvSpPr>
-          <p:nvPr>
-            <p:extLst>
-              <p:ext uri="{386F3935-93C4-4BCD-93E2-E3B085C9AB24}">
-                <p16:designElem xmlns:p16="http://schemas.microsoft.com/office/powerpoint/2015/main" val="1"/>
-              </p:ext>
-            </p:extLst>
-          </p:nvPr>
-        </p:nvSpPr>
-        <p:spPr bwMode="ltGray">
-          <a:xfrm>
-            <a:off x="0" y="0"/>
-            <a:ext cx="12191999" cy="6858000"/>
-          </a:xfrm>
-          <a:prstGeom prst="rect">
-            <a:avLst/>
-          </a:prstGeom>
-          <a:ln>
-            <a:noFill/>
-          </a:ln>
-        </p:spPr>
-        <p:style>
-          <a:lnRef idx="2">
-            <a:schemeClr val="accent1">
-              <a:shade val="50000"/>
-            </a:schemeClr>
-          </a:lnRef>
-          <a:fillRef idx="1">
-            <a:schemeClr val="accent1"/>
-          </a:fillRef>
-          <a:effectRef idx="0">
-            <a:schemeClr val="accent1"/>
-          </a:effectRef>
-          <a:fontRef idx="minor">
-            <a:schemeClr val="lt1"/>
-          </a:fontRef>
-        </p:style>
-        <p:txBody>
-          <a:bodyPr rtlCol="0" anchor="ctr"/>
-          <a:lstStyle/>
-          <a:p>
-            <a:pPr algn="ctr"/>
-            <a:endParaRPr lang="en-US"/>
-          </a:p>
-        </p:txBody>
-      </p:sp>
       <p:sp>
         <p:nvSpPr>
           <p:cNvPr id="2" name="Título 1">
             <a:extLst>
               <a:ext uri="{FF2B5EF4-FFF2-40B4-BE49-F238E27FC236}">
-                <a16:creationId xmlns:a16="http://schemas.microsoft.com/office/drawing/2014/main" id="{E4BCEF11-2EC7-4914-9A63-AA471683A89E}"/>
+                <a16:creationId xmlns:a16="http://schemas.microsoft.com/office/drawing/2014/main" id="{7AC8C4D4-7EF7-47D4-B8C9-9D65E84912BE}"/>
               </a:ext>
             </a:extLst>
           </p:cNvPr>
@@ -8721,179 +7645,37 @@
             <a:spLocks noGrp="1"/>
           </p:cNvSpPr>
           <p:nvPr>
-            <p:ph type="title"/>
+            <p:ph type="ctrTitle"/>
           </p:nvPr>
         </p:nvSpPr>
         <p:spPr>
           <a:xfrm>
-            <a:off x="761997" y="152236"/>
-            <a:ext cx="10668004" cy="1207892"/>
+            <a:off x="421341" y="869576"/>
+            <a:ext cx="5674659" cy="1156446"/>
           </a:xfrm>
         </p:spPr>
         <p:txBody>
-          <a:bodyPr anchor="ctr">
-            <a:normAutofit fontScale="90000"/>
+          <a:bodyPr>
+            <a:noAutofit/>
           </a:bodyPr>
           <a:lstStyle/>
           <a:p>
             <a:pPr algn="r"/>
             <a:r>
-              <a:rPr lang="pt-BR" dirty="0"/>
-              <a:t>Modelo Conceitual do banco de dados</a:t>
-            </a:r>
+              <a:rPr lang="pt-BR" sz="4000" dirty="0"/>
+              <a:t>Apresentação do Desenvolvimento da Aplicação</a:t>
+            </a:r>
+            <a:br>
+              <a:rPr lang="pt-BR" sz="4000" dirty="0"/>
+            </a:br>
+            <a:endParaRPr lang="pt-BR" sz="4000" dirty="0"/>
           </a:p>
         </p:txBody>
       </p:sp>
-      <p:sp>
-        <p:nvSpPr>
-          <p:cNvPr id="10" name="Rectangle 9">
-            <a:extLst>
-              <a:ext uri="{FF2B5EF4-FFF2-40B4-BE49-F238E27FC236}">
-                <a16:creationId xmlns:a16="http://schemas.microsoft.com/office/drawing/2014/main" id="{9546C973-6034-4DAE-8C50-764E3160487D}"/>
-              </a:ext>
-              <a:ext uri="{C183D7F6-B498-43B3-948B-1728B52AA6E4}">
-                <adec:decorative xmlns:adec="http://schemas.microsoft.com/office/drawing/2017/decorative" val="1"/>
-              </a:ext>
-            </a:extLst>
-          </p:cNvPr>
-          <p:cNvSpPr>
-            <a:spLocks noGrp="1" noRot="1" noChangeAspect="1" noMove="1" noResize="1" noEditPoints="1" noAdjustHandles="1" noChangeArrowheads="1" noChangeShapeType="1" noTextEdit="1"/>
-          </p:cNvSpPr>
-          <p:nvPr>
-            <p:extLst>
-              <p:ext uri="{386F3935-93C4-4BCD-93E2-E3B085C9AB24}">
-                <p16:designElem xmlns:p16="http://schemas.microsoft.com/office/powerpoint/2015/main" val="1"/>
-              </p:ext>
-            </p:extLst>
-          </p:nvPr>
-        </p:nvSpPr>
-        <p:spPr>
-          <a:xfrm>
-            <a:off x="0" y="0"/>
-            <a:ext cx="309705" cy="6858000"/>
-          </a:xfrm>
-          <a:prstGeom prst="rect">
-            <a:avLst/>
-          </a:prstGeom>
-          <a:solidFill>
-            <a:schemeClr val="tx1">
-              <a:alpha val="10000"/>
-            </a:schemeClr>
-          </a:solidFill>
-          <a:ln>
-            <a:noFill/>
-          </a:ln>
-        </p:spPr>
-        <p:style>
-          <a:lnRef idx="2">
-            <a:schemeClr val="accent1">
-              <a:shade val="50000"/>
-            </a:schemeClr>
-          </a:lnRef>
-          <a:fillRef idx="1">
-            <a:schemeClr val="accent1"/>
-          </a:fillRef>
-          <a:effectRef idx="0">
-            <a:schemeClr val="accent1"/>
-          </a:effectRef>
-          <a:fontRef idx="minor">
-            <a:schemeClr val="lt1"/>
-          </a:fontRef>
-        </p:style>
-        <p:txBody>
-          <a:bodyPr rtlCol="0" anchor="ctr"/>
-          <a:lstStyle/>
-          <a:p>
-            <a:pPr algn="ctr"/>
-            <a:endParaRPr lang="en-US"/>
-          </a:p>
-        </p:txBody>
-      </p:sp>
-      <p:cxnSp>
-        <p:nvCxnSpPr>
-          <p:cNvPr id="12" name="Straight Connector 11">
-            <a:extLst>
-              <a:ext uri="{FF2B5EF4-FFF2-40B4-BE49-F238E27FC236}">
-                <a16:creationId xmlns:a16="http://schemas.microsoft.com/office/drawing/2014/main" id="{BC2ADC72-9292-411C-B17E-1DC83998D3C8}"/>
-              </a:ext>
-              <a:ext uri="{C183D7F6-B498-43B3-948B-1728B52AA6E4}">
-                <adec:decorative xmlns:adec="http://schemas.microsoft.com/office/drawing/2017/decorative" val="1"/>
-              </a:ext>
-            </a:extLst>
-          </p:cNvPr>
-          <p:cNvCxnSpPr>
-            <a:cxnSpLocks noGrp="1" noRot="1" noChangeAspect="1" noMove="1" noResize="1" noEditPoints="1" noAdjustHandles="1" noChangeArrowheads="1" noChangeShapeType="1"/>
-          </p:cNvCxnSpPr>
-          <p:nvPr>
-            <p:extLst>
-              <p:ext uri="{386F3935-93C4-4BCD-93E2-E3B085C9AB24}">
-                <p16:designElem xmlns:p16="http://schemas.microsoft.com/office/powerpoint/2015/main" val="1"/>
-              </p:ext>
-            </p:extLst>
-          </p:nvPr>
-        </p:nvCxnSpPr>
-        <p:spPr>
-          <a:xfrm>
-            <a:off x="11553659" y="666625"/>
-            <a:ext cx="0" cy="1207892"/>
-          </a:xfrm>
-          <a:prstGeom prst="line">
-            <a:avLst/>
-          </a:prstGeom>
-          <a:ln w="22225">
-            <a:solidFill>
-              <a:schemeClr val="accent1"/>
-            </a:solidFill>
-          </a:ln>
-        </p:spPr>
-        <p:style>
-          <a:lnRef idx="1">
-            <a:schemeClr val="accent1"/>
-          </a:lnRef>
-          <a:fillRef idx="0">
-            <a:schemeClr val="accent1"/>
-          </a:fillRef>
-          <a:effectRef idx="0">
-            <a:schemeClr val="accent1"/>
-          </a:effectRef>
-          <a:fontRef idx="minor">
-            <a:schemeClr val="tx1"/>
-          </a:fontRef>
-        </p:style>
-      </p:cxnSp>
-      <p:pic>
-        <p:nvPicPr>
-          <p:cNvPr id="5" name="Espaço Reservado para Conteúdo 4" descr="Mapa com linhas pretas em fundo branco&#10;&#10;Descrição gerada automaticamente">
-            <a:extLst>
-              <a:ext uri="{FF2B5EF4-FFF2-40B4-BE49-F238E27FC236}">
-                <a16:creationId xmlns:a16="http://schemas.microsoft.com/office/drawing/2014/main" id="{D861AE20-781A-4EFB-8690-2176864BD7FB}"/>
-              </a:ext>
-            </a:extLst>
-          </p:cNvPr>
-          <p:cNvPicPr>
-            <a:picLocks noGrp="1" noChangeAspect="1"/>
-          </p:cNvPicPr>
-          <p:nvPr>
-            <p:ph idx="1"/>
-          </p:nvPr>
-        </p:nvPicPr>
-        <p:blipFill>
-          <a:blip r:embed="rId2"/>
-          <a:stretch>
-            <a:fillRect/>
-          </a:stretch>
-        </p:blipFill>
-        <p:spPr>
-          <a:xfrm>
-            <a:off x="309705" y="1214203"/>
-            <a:ext cx="11882295" cy="5643797"/>
-          </a:xfrm>
-        </p:spPr>
-      </p:pic>
     </p:spTree>
     <p:extLst>
       <p:ext uri="{BB962C8B-B14F-4D97-AF65-F5344CB8AC3E}">
-        <p14:creationId xmlns:p14="http://schemas.microsoft.com/office/powerpoint/2010/main" val="2904836410"/>
+        <p14:creationId xmlns:p14="http://schemas.microsoft.com/office/powerpoint/2010/main" val="1865851164"/>
       </p:ext>
     </p:extLst>
   </p:cSld>
@@ -8928,128 +7710,12 @@
           <a:chExt cx="0" cy="0"/>
         </a:xfrm>
       </p:grpSpPr>
-      <p:sp useBgFill="1">
-        <p:nvSpPr>
-          <p:cNvPr id="8" name="Rectangle 7">
-            <a:extLst>
-              <a:ext uri="{FF2B5EF4-FFF2-40B4-BE49-F238E27FC236}">
-                <a16:creationId xmlns:a16="http://schemas.microsoft.com/office/drawing/2014/main" id="{ABD17F87-FE96-4A5F-83F2-3E87B953B074}"/>
-              </a:ext>
-              <a:ext uri="{C183D7F6-B498-43B3-948B-1728B52AA6E4}">
-                <adec:decorative xmlns:adec="http://schemas.microsoft.com/office/drawing/2017/decorative" val="1"/>
-              </a:ext>
-            </a:extLst>
-          </p:cNvPr>
-          <p:cNvSpPr>
-            <a:spLocks noGrp="1" noRot="1" noChangeAspect="1" noMove="1" noResize="1" noEditPoints="1" noAdjustHandles="1" noChangeArrowheads="1" noChangeShapeType="1" noTextEdit="1"/>
-          </p:cNvSpPr>
-          <p:nvPr>
-            <p:extLst>
-              <p:ext uri="{386F3935-93C4-4BCD-93E2-E3B085C9AB24}">
-                <p16:designElem xmlns:p16="http://schemas.microsoft.com/office/powerpoint/2015/main" val="1"/>
-              </p:ext>
-            </p:extLst>
-          </p:nvPr>
-        </p:nvSpPr>
-        <p:spPr bwMode="ltGray">
-          <a:xfrm>
-            <a:off x="0" y="0"/>
-            <a:ext cx="12191999" cy="6858000"/>
-          </a:xfrm>
-          <a:prstGeom prst="rect">
-            <a:avLst/>
-          </a:prstGeom>
-          <a:ln>
-            <a:noFill/>
-          </a:ln>
-        </p:spPr>
-        <p:style>
-          <a:lnRef idx="2">
-            <a:schemeClr val="accent1">
-              <a:shade val="50000"/>
-            </a:schemeClr>
-          </a:lnRef>
-          <a:fillRef idx="1">
-            <a:schemeClr val="accent1"/>
-          </a:fillRef>
-          <a:effectRef idx="0">
-            <a:schemeClr val="accent1"/>
-          </a:effectRef>
-          <a:fontRef idx="minor">
-            <a:schemeClr val="lt1"/>
-          </a:fontRef>
-        </p:style>
-        <p:txBody>
-          <a:bodyPr rtlCol="0" anchor="ctr"/>
-          <a:lstStyle/>
-          <a:p>
-            <a:pPr algn="ctr"/>
-            <a:endParaRPr lang="en-US"/>
-          </a:p>
-        </p:txBody>
-      </p:sp>
-      <p:pic>
-        <p:nvPicPr>
-          <p:cNvPr id="7" name="Espaço Reservado para Conteúdo 6" descr="Tela de celular com texto preto sobre fundo branco&#10;&#10;Descrição gerada automaticamente">
-            <a:extLst>
-              <a:ext uri="{FF2B5EF4-FFF2-40B4-BE49-F238E27FC236}">
-                <a16:creationId xmlns:a16="http://schemas.microsoft.com/office/drawing/2014/main" id="{0A8229C8-C3EC-4D55-9116-0B1B5BEAF5CF}"/>
-              </a:ext>
-            </a:extLst>
-          </p:cNvPr>
-          <p:cNvPicPr>
-            <a:picLocks noGrp="1" noChangeAspect="1"/>
-          </p:cNvPicPr>
-          <p:nvPr>
-            <p:ph idx="1"/>
-          </p:nvPr>
-        </p:nvPicPr>
-        <p:blipFill>
-          <a:blip r:embed="rId2" cstate="email">
-            <a:extLst>
-              <a:ext uri="{28A0092B-C50C-407E-A947-70E740481C1C}">
-                <a14:useLocalDpi xmlns:a14="http://schemas.microsoft.com/office/drawing/2010/main" val="0"/>
-              </a:ext>
-            </a:extLst>
-          </a:blip>
-          <a:stretch>
-            <a:fillRect/>
-          </a:stretch>
-        </p:blipFill>
-        <p:spPr>
-          <a:xfrm>
-            <a:off x="309703" y="1447734"/>
-            <a:ext cx="11772354" cy="5573139"/>
-          </a:xfrm>
-          <a:ln>
-            <a:noFill/>
-          </a:ln>
-          <a:effectLst>
-            <a:outerShdw blurRad="44450" dist="27940" dir="5400000" algn="ctr">
-              <a:srgbClr val="000000">
-                <a:alpha val="32000"/>
-              </a:srgbClr>
-            </a:outerShdw>
-          </a:effectLst>
-          <a:scene3d>
-            <a:camera prst="orthographicFront">
-              <a:rot lat="0" lon="0" rev="0"/>
-            </a:camera>
-            <a:lightRig rig="balanced" dir="t">
-              <a:rot lat="0" lon="0" rev="8700000"/>
-            </a:lightRig>
-          </a:scene3d>
-          <a:sp3d>
-            <a:bevelT w="190500" h="38100"/>
-          </a:sp3d>
-        </p:spPr>
-      </p:pic>
       <p:sp>
         <p:nvSpPr>
           <p:cNvPr id="2" name="Título 1">
             <a:extLst>
               <a:ext uri="{FF2B5EF4-FFF2-40B4-BE49-F238E27FC236}">
-                <a16:creationId xmlns:a16="http://schemas.microsoft.com/office/drawing/2014/main" id="{BCB66EFE-C15D-4BFB-8192-F77293552D3F}"/>
+                <a16:creationId xmlns:a16="http://schemas.microsoft.com/office/drawing/2014/main" id="{7AC8C4D4-7EF7-47D4-B8C9-9D65E84912BE}"/>
               </a:ext>
             </a:extLst>
           </p:cNvPr>
@@ -9057,149 +7723,162 @@
             <a:spLocks noGrp="1"/>
           </p:cNvSpPr>
           <p:nvPr>
-            <p:ph type="title"/>
+            <p:ph type="ctrTitle"/>
           </p:nvPr>
         </p:nvSpPr>
         <p:spPr>
           <a:xfrm>
-            <a:off x="761996" y="239843"/>
-            <a:ext cx="10668004" cy="1207892"/>
+            <a:off x="421341" y="869576"/>
+            <a:ext cx="5674659" cy="1156446"/>
           </a:xfrm>
         </p:spPr>
         <p:txBody>
-          <a:bodyPr anchor="ctr">
-            <a:normAutofit/>
+          <a:bodyPr>
+            <a:noAutofit/>
           </a:bodyPr>
           <a:lstStyle/>
           <a:p>
-            <a:r>
-              <a:rPr lang="pt-BR" dirty="0"/>
-              <a:t>Modelo Lógico do banco de dados</a:t>
-            </a:r>
+            <a:pPr algn="r"/>
+            <a:r>
+              <a:rPr lang="pt-BR" sz="4000" dirty="0"/>
+              <a:t>Apresentação do wiki</a:t>
+            </a:r>
+            <a:br>
+              <a:rPr lang="pt-BR" sz="4000" dirty="0"/>
+            </a:br>
+            <a:endParaRPr lang="pt-BR" sz="4000" dirty="0"/>
           </a:p>
         </p:txBody>
       </p:sp>
       <p:sp>
         <p:nvSpPr>
-          <p:cNvPr id="10" name="Rectangle 9">
+          <p:cNvPr id="3" name="CaixaDeTexto 2">
             <a:extLst>
               <a:ext uri="{FF2B5EF4-FFF2-40B4-BE49-F238E27FC236}">
-                <a16:creationId xmlns:a16="http://schemas.microsoft.com/office/drawing/2014/main" id="{9546C973-6034-4DAE-8C50-764E3160487D}"/>
+                <a16:creationId xmlns:a16="http://schemas.microsoft.com/office/drawing/2014/main" id="{40FAF361-EFCA-43D6-8341-AC50099BBF2E}"/>
               </a:ext>
-              <a:ext uri="{C183D7F6-B498-43B3-948B-1728B52AA6E4}">
-                <adec:decorative xmlns:adec="http://schemas.microsoft.com/office/drawing/2017/decorative" val="1"/>
+            </a:extLst>
+          </p:cNvPr>
+          <p:cNvSpPr txBox="1"/>
+          <p:nvPr/>
+        </p:nvSpPr>
+        <p:spPr>
+          <a:xfrm>
+            <a:off x="3621741" y="3244334"/>
+            <a:ext cx="5130251" cy="369332"/>
+          </a:xfrm>
+          <a:prstGeom prst="rect">
+            <a:avLst/>
+          </a:prstGeom>
+          <a:noFill/>
+        </p:spPr>
+        <p:txBody>
+          <a:bodyPr wrap="none" rtlCol="0">
+            <a:spAutoFit/>
+          </a:bodyPr>
+          <a:lstStyle/>
+          <a:p>
+            <a:r>
+              <a:rPr lang="pt-BR" dirty="0">
+                <a:solidFill>
+                  <a:schemeClr val="accent5"/>
+                </a:solidFill>
+                <a:hlinkClick r:id="rId2">
+                  <a:extLst>
+                    <a:ext uri="{A12FA001-AC4F-418D-AE19-62706E023703}">
+                      <ahyp:hlinkClr xmlns:ahyp="http://schemas.microsoft.com/office/drawing/2018/hyperlinkcolor" val="tx"/>
+                    </a:ext>
+                  </a:extLst>
+                </a:hlinkClick>
+              </a:rPr>
+              <a:t>https://github.com/leocassiosilva/locacaoVeiculos/wiki</a:t>
+            </a:r>
+            <a:endParaRPr lang="pt-BR" dirty="0">
+              <a:solidFill>
+                <a:schemeClr val="accent5"/>
+              </a:solidFill>
+            </a:endParaRPr>
+          </a:p>
+        </p:txBody>
+      </p:sp>
+    </p:spTree>
+    <p:extLst>
+      <p:ext uri="{BB962C8B-B14F-4D97-AF65-F5344CB8AC3E}">
+        <p14:creationId xmlns:p14="http://schemas.microsoft.com/office/powerpoint/2010/main" val="2806669797"/>
+      </p:ext>
+    </p:extLst>
+  </p:cSld>
+  <p:clrMapOvr>
+    <a:masterClrMapping/>
+  </p:clrMapOvr>
+</p:sld>
+</file>
+
+<file path=ppt/slides/slide9.xml><?xml version="1.0" encoding="utf-8"?>
+<p:sld xmlns:a="http://schemas.openxmlformats.org/drawingml/2006/main" xmlns:r="http://schemas.openxmlformats.org/officeDocument/2006/relationships" xmlns:p="http://schemas.openxmlformats.org/presentationml/2006/main">
+  <p:cSld>
+    <p:bg>
+      <p:bgPr>
+        <a:solidFill>
+          <a:schemeClr val="bg2"/>
+        </a:solidFill>
+        <a:effectLst/>
+      </p:bgPr>
+    </p:bg>
+    <p:spTree>
+      <p:nvGrpSpPr>
+        <p:cNvPr id="1" name=""/>
+        <p:cNvGrpSpPr/>
+        <p:nvPr/>
+      </p:nvGrpSpPr>
+      <p:grpSpPr>
+        <a:xfrm>
+          <a:off x="0" y="0"/>
+          <a:ext cx="0" cy="0"/>
+          <a:chOff x="0" y="0"/>
+          <a:chExt cx="0" cy="0"/>
+        </a:xfrm>
+      </p:grpSpPr>
+      <p:sp>
+        <p:nvSpPr>
+          <p:cNvPr id="2" name="Título 1">
+            <a:extLst>
+              <a:ext uri="{FF2B5EF4-FFF2-40B4-BE49-F238E27FC236}">
+                <a16:creationId xmlns:a16="http://schemas.microsoft.com/office/drawing/2014/main" id="{7AC8C4D4-7EF7-47D4-B8C9-9D65E84912BE}"/>
               </a:ext>
             </a:extLst>
           </p:cNvPr>
           <p:cNvSpPr>
-            <a:spLocks noGrp="1" noRot="1" noChangeAspect="1" noMove="1" noResize="1" noEditPoints="1" noAdjustHandles="1" noChangeArrowheads="1" noChangeShapeType="1" noTextEdit="1"/>
+            <a:spLocks noGrp="1"/>
           </p:cNvSpPr>
           <p:nvPr>
-            <p:extLst>
-              <p:ext uri="{386F3935-93C4-4BCD-93E2-E3B085C9AB24}">
-                <p16:designElem xmlns:p16="http://schemas.microsoft.com/office/powerpoint/2015/main" val="1"/>
-              </p:ext>
-            </p:extLst>
+            <p:ph type="ctrTitle"/>
           </p:nvPr>
         </p:nvSpPr>
         <p:spPr>
           <a:xfrm>
-            <a:off x="0" y="0"/>
-            <a:ext cx="309705" cy="6858000"/>
+            <a:off x="555812" y="313765"/>
+            <a:ext cx="3487271" cy="1156446"/>
           </a:xfrm>
-          <a:prstGeom prst="rect">
-            <a:avLst/>
-          </a:prstGeom>
-          <a:solidFill>
-            <a:schemeClr val="tx1">
-              <a:alpha val="10000"/>
-            </a:schemeClr>
-          </a:solidFill>
-          <a:ln>
-            <a:noFill/>
-          </a:ln>
         </p:spPr>
-        <p:style>
-          <a:lnRef idx="2">
-            <a:schemeClr val="accent1">
-              <a:shade val="50000"/>
-            </a:schemeClr>
-          </a:lnRef>
-          <a:fillRef idx="1">
-            <a:schemeClr val="accent1"/>
-          </a:fillRef>
-          <a:effectRef idx="0">
-            <a:schemeClr val="accent1"/>
-          </a:effectRef>
-          <a:fontRef idx="minor">
-            <a:schemeClr val="lt1"/>
-          </a:fontRef>
-        </p:style>
         <p:txBody>
-          <a:bodyPr rtlCol="0" anchor="ctr"/>
+          <a:bodyPr>
+            <a:noAutofit/>
+          </a:bodyPr>
           <a:lstStyle/>
           <a:p>
-            <a:pPr algn="ctr"/>
-            <a:endParaRPr lang="en-US"/>
+            <a:pPr algn="r"/>
+            <a:r>
+              <a:rPr lang="pt-BR" sz="4000" dirty="0"/>
+              <a:t>Produto Concluido</a:t>
+            </a:r>
           </a:p>
         </p:txBody>
       </p:sp>
-      <p:cxnSp>
-        <p:nvCxnSpPr>
-          <p:cNvPr id="12" name="Straight Connector 11">
-            <a:extLst>
-              <a:ext uri="{FF2B5EF4-FFF2-40B4-BE49-F238E27FC236}">
-                <a16:creationId xmlns:a16="http://schemas.microsoft.com/office/drawing/2014/main" id="{BC2ADC72-9292-411C-B17E-1DC83998D3C8}"/>
-              </a:ext>
-              <a:ext uri="{C183D7F6-B498-43B3-948B-1728B52AA6E4}">
-                <adec:decorative xmlns:adec="http://schemas.microsoft.com/office/drawing/2017/decorative" val="1"/>
-              </a:ext>
-            </a:extLst>
-          </p:cNvPr>
-          <p:cNvCxnSpPr>
-            <a:cxnSpLocks noGrp="1" noRot="1" noChangeAspect="1" noMove="1" noResize="1" noEditPoints="1" noAdjustHandles="1" noChangeArrowheads="1" noChangeShapeType="1"/>
-          </p:cNvCxnSpPr>
-          <p:nvPr>
-            <p:extLst>
-              <p:ext uri="{386F3935-93C4-4BCD-93E2-E3B085C9AB24}">
-                <p16:designElem xmlns:p16="http://schemas.microsoft.com/office/powerpoint/2015/main" val="1"/>
-              </p:ext>
-            </p:extLst>
-          </p:nvPr>
-        </p:nvCxnSpPr>
-        <p:spPr>
-          <a:xfrm>
-            <a:off x="11553659" y="666625"/>
-            <a:ext cx="0" cy="1207892"/>
-          </a:xfrm>
-          <a:prstGeom prst="line">
-            <a:avLst/>
-          </a:prstGeom>
-          <a:ln w="22225">
-            <a:solidFill>
-              <a:schemeClr val="accent1"/>
-            </a:solidFill>
-          </a:ln>
-        </p:spPr>
-        <p:style>
-          <a:lnRef idx="1">
-            <a:schemeClr val="accent1"/>
-          </a:lnRef>
-          <a:fillRef idx="0">
-            <a:schemeClr val="accent1"/>
-          </a:fillRef>
-          <a:effectRef idx="0">
-            <a:schemeClr val="accent1"/>
-          </a:effectRef>
-          <a:fontRef idx="minor">
-            <a:schemeClr val="tx1"/>
-          </a:fontRef>
-        </p:style>
-      </p:cxnSp>
     </p:spTree>
     <p:extLst>
       <p:ext uri="{BB962C8B-B14F-4D97-AF65-F5344CB8AC3E}">
-        <p14:creationId xmlns:p14="http://schemas.microsoft.com/office/powerpoint/2010/main" val="350780353"/>
+        <p14:creationId xmlns:p14="http://schemas.microsoft.com/office/powerpoint/2010/main" val="294053323"/>
       </p:ext>
     </p:extLst>
   </p:cSld>

--- a/Projeto Integrador - Apresentação.pptx
+++ b/Projeto Integrador - Apresentação.pptx
@@ -7270,6 +7270,57 @@
           </a:p>
         </p:txBody>
       </p:sp>
+      <p:sp>
+        <p:nvSpPr>
+          <p:cNvPr id="3" name="CaixaDeTexto 2">
+            <a:extLst>
+              <a:ext uri="{FF2B5EF4-FFF2-40B4-BE49-F238E27FC236}">
+                <a16:creationId xmlns:a16="http://schemas.microsoft.com/office/drawing/2014/main" id="{09C36E54-F9F0-4B04-9A02-7CE28AC6E52F}"/>
+              </a:ext>
+            </a:extLst>
+          </p:cNvPr>
+          <p:cNvSpPr txBox="1"/>
+          <p:nvPr/>
+        </p:nvSpPr>
+        <p:spPr>
+          <a:xfrm>
+            <a:off x="1567677" y="3244334"/>
+            <a:ext cx="9056646" cy="369332"/>
+          </a:xfrm>
+          <a:prstGeom prst="rect">
+            <a:avLst/>
+          </a:prstGeom>
+          <a:noFill/>
+        </p:spPr>
+        <p:txBody>
+          <a:bodyPr wrap="none" rtlCol="0">
+            <a:spAutoFit/>
+          </a:bodyPr>
+          <a:lstStyle/>
+          <a:p>
+            <a:r>
+              <a:rPr lang="pt-BR" dirty="0">
+                <a:solidFill>
+                  <a:schemeClr val="accent5"/>
+                </a:solidFill>
+                <a:hlinkClick r:id="rId2">
+                  <a:extLst>
+                    <a:ext uri="{A12FA001-AC4F-418D-AE19-62706E023703}">
+                      <ahyp:hlinkClr xmlns:ahyp="http://schemas.microsoft.com/office/drawing/2018/hyperlinkcolor" val="tx"/>
+                    </a:ext>
+                  </a:extLst>
+                </a:hlinkClick>
+              </a:rPr>
+              <a:t>https://github.com/leocassiosilva/locacaoVeiculos/wiki/1.-Descri%C3%A7%C3%A3o-do-Produto</a:t>
+            </a:r>
+            <a:endParaRPr lang="pt-BR" dirty="0">
+              <a:solidFill>
+                <a:schemeClr val="accent5"/>
+              </a:solidFill>
+            </a:endParaRPr>
+          </a:p>
+        </p:txBody>
+      </p:sp>
     </p:spTree>
     <p:extLst>
       <p:ext uri="{BB962C8B-B14F-4D97-AF65-F5344CB8AC3E}">
